--- a/kimoto_system_icon.pptx
+++ b/kimoto_system_icon.pptx
@@ -7,6 +7,7 @@
   <p:sldIdLst>
     <p:sldId id="256" r:id="rId2"/>
     <p:sldId id="257" r:id="rId3"/>
+    <p:sldId id="258" r:id="rId4"/>
   </p:sldIdLst>
   <p:sldSz cx="12192000" cy="6858000"/>
   <p:notesSz cx="6858000" cy="9144000"/>
@@ -105,6 +106,11 @@
       </a:defRPr>
     </a:lvl9pPr>
   </p:defaultTextStyle>
+  <p:extLst>
+    <p:ext uri="{EFAFB233-063F-42B5-8137-9DF3F51BA10A}">
+      <p15:sldGuideLst xmlns:p15="http://schemas.microsoft.com/office/powerpoint/2012/main"/>
+    </p:ext>
+  </p:extLst>
 </p:presentation>
 </file>
 
@@ -255,7 +261,7 @@
           <a:p>
             <a:fld id="{58E8B392-0D56-498C-85B4-7CBB197B644F}" type="datetimeFigureOut">
               <a:rPr kumimoji="1" lang="ja-JP" altLang="en-US" smtClean="0"/>
-              <a:t>2020/1/31</a:t>
+              <a:t>2020/2/5</a:t>
             </a:fld>
             <a:endParaRPr kumimoji="1" lang="ja-JP" altLang="en-US"/>
           </a:p>
@@ -485,7 +491,7 @@
           <a:p>
             <a:fld id="{58E8B392-0D56-498C-85B4-7CBB197B644F}" type="datetimeFigureOut">
               <a:rPr kumimoji="1" lang="ja-JP" altLang="en-US" smtClean="0"/>
-              <a:t>2020/1/31</a:t>
+              <a:t>2020/2/5</a:t>
             </a:fld>
             <a:endParaRPr kumimoji="1" lang="ja-JP" altLang="en-US"/>
           </a:p>
@@ -725,7 +731,7 @@
           <a:p>
             <a:fld id="{58E8B392-0D56-498C-85B4-7CBB197B644F}" type="datetimeFigureOut">
               <a:rPr kumimoji="1" lang="ja-JP" altLang="en-US" smtClean="0"/>
-              <a:t>2020/1/31</a:t>
+              <a:t>2020/2/5</a:t>
             </a:fld>
             <a:endParaRPr kumimoji="1" lang="ja-JP" altLang="en-US"/>
           </a:p>
@@ -955,7 +961,7 @@
           <a:p>
             <a:fld id="{58E8B392-0D56-498C-85B4-7CBB197B644F}" type="datetimeFigureOut">
               <a:rPr kumimoji="1" lang="ja-JP" altLang="en-US" smtClean="0"/>
-              <a:t>2020/1/31</a:t>
+              <a:t>2020/2/5</a:t>
             </a:fld>
             <a:endParaRPr kumimoji="1" lang="ja-JP" altLang="en-US"/>
           </a:p>
@@ -1230,7 +1236,7 @@
           <a:p>
             <a:fld id="{58E8B392-0D56-498C-85B4-7CBB197B644F}" type="datetimeFigureOut">
               <a:rPr kumimoji="1" lang="ja-JP" altLang="en-US" smtClean="0"/>
-              <a:t>2020/1/31</a:t>
+              <a:t>2020/2/5</a:t>
             </a:fld>
             <a:endParaRPr kumimoji="1" lang="ja-JP" altLang="en-US"/>
           </a:p>
@@ -1559,7 +1565,7 @@
           <a:p>
             <a:fld id="{58E8B392-0D56-498C-85B4-7CBB197B644F}" type="datetimeFigureOut">
               <a:rPr kumimoji="1" lang="ja-JP" altLang="en-US" smtClean="0"/>
-              <a:t>2020/1/31</a:t>
+              <a:t>2020/2/5</a:t>
             </a:fld>
             <a:endParaRPr kumimoji="1" lang="ja-JP" altLang="en-US"/>
           </a:p>
@@ -2035,7 +2041,7 @@
           <a:p>
             <a:fld id="{58E8B392-0D56-498C-85B4-7CBB197B644F}" type="datetimeFigureOut">
               <a:rPr kumimoji="1" lang="ja-JP" altLang="en-US" smtClean="0"/>
-              <a:t>2020/1/31</a:t>
+              <a:t>2020/2/5</a:t>
             </a:fld>
             <a:endParaRPr kumimoji="1" lang="ja-JP" altLang="en-US"/>
           </a:p>
@@ -2176,7 +2182,7 @@
           <a:p>
             <a:fld id="{58E8B392-0D56-498C-85B4-7CBB197B644F}" type="datetimeFigureOut">
               <a:rPr kumimoji="1" lang="ja-JP" altLang="en-US" smtClean="0"/>
-              <a:t>2020/1/31</a:t>
+              <a:t>2020/2/5</a:t>
             </a:fld>
             <a:endParaRPr kumimoji="1" lang="ja-JP" altLang="en-US"/>
           </a:p>
@@ -2289,7 +2295,7 @@
           <a:p>
             <a:fld id="{58E8B392-0D56-498C-85B4-7CBB197B644F}" type="datetimeFigureOut">
               <a:rPr kumimoji="1" lang="ja-JP" altLang="en-US" smtClean="0"/>
-              <a:t>2020/1/31</a:t>
+              <a:t>2020/2/5</a:t>
             </a:fld>
             <a:endParaRPr kumimoji="1" lang="ja-JP" altLang="en-US"/>
           </a:p>
@@ -2632,7 +2638,7 @@
           <a:p>
             <a:fld id="{58E8B392-0D56-498C-85B4-7CBB197B644F}" type="datetimeFigureOut">
               <a:rPr kumimoji="1" lang="ja-JP" altLang="en-US" smtClean="0"/>
-              <a:t>2020/1/31</a:t>
+              <a:t>2020/2/5</a:t>
             </a:fld>
             <a:endParaRPr kumimoji="1" lang="ja-JP" altLang="en-US"/>
           </a:p>
@@ -2920,7 +2926,7 @@
           <a:p>
             <a:fld id="{58E8B392-0D56-498C-85B4-7CBB197B644F}" type="datetimeFigureOut">
               <a:rPr kumimoji="1" lang="ja-JP" altLang="en-US" smtClean="0"/>
-              <a:t>2020/1/31</a:t>
+              <a:t>2020/2/5</a:t>
             </a:fld>
             <a:endParaRPr kumimoji="1" lang="ja-JP" altLang="en-US"/>
           </a:p>
@@ -3193,7 +3199,7 @@
           <a:p>
             <a:fld id="{58E8B392-0D56-498C-85B4-7CBB197B644F}" type="datetimeFigureOut">
               <a:rPr kumimoji="1" lang="ja-JP" altLang="en-US" smtClean="0"/>
-              <a:t>2020/1/31</a:t>
+              <a:t>2020/2/5</a:t>
             </a:fld>
             <a:endParaRPr kumimoji="1" lang="ja-JP" altLang="en-US"/>
           </a:p>
@@ -3835,7 +3841,7 @@
         </p:nvSpPr>
         <p:spPr>
           <a:xfrm rot="2704868">
-            <a:off x="2741794" y="828239"/>
+            <a:off x="2741794" y="842400"/>
             <a:ext cx="259529" cy="950017"/>
           </a:xfrm>
           <a:prstGeom prst="rect">
@@ -4095,7 +4101,7 @@
         </p:nvSpPr>
         <p:spPr>
           <a:xfrm>
-            <a:off x="7248625" y="875954"/>
+            <a:off x="7243200" y="875954"/>
             <a:ext cx="225625" cy="1349713"/>
           </a:xfrm>
           <a:prstGeom prst="rect">
@@ -4147,7 +4153,7 @@
         </p:nvSpPr>
         <p:spPr>
           <a:xfrm>
-            <a:off x="7016283" y="1232717"/>
+            <a:off x="6991200" y="1232717"/>
             <a:ext cx="737983" cy="209211"/>
           </a:xfrm>
           <a:prstGeom prst="rect">
@@ -4259,7 +4265,7 @@
         </p:nvSpPr>
         <p:spPr>
           <a:xfrm>
-            <a:off x="4938289" y="1307451"/>
+            <a:off x="4946400" y="1307451"/>
             <a:ext cx="747643" cy="621490"/>
           </a:xfrm>
           <a:prstGeom prst="blockArc">
@@ -4477,8 +4483,8 @@
         </p:nvSpPr>
         <p:spPr>
           <a:xfrm>
-            <a:off x="5438156" y="1474411"/>
-            <a:ext cx="235749" cy="733761"/>
+            <a:off x="5454000" y="1526400"/>
+            <a:ext cx="234000" cy="681772"/>
           </a:xfrm>
           <a:prstGeom prst="rect">
             <a:avLst/>
@@ -4957,6 +4963,282 @@
     <p:extLst>
       <p:ext uri="{BB962C8B-B14F-4D97-AF65-F5344CB8AC3E}">
         <p14:creationId xmlns:p14="http://schemas.microsoft.com/office/powerpoint/2010/main" val="562245139"/>
+      </p:ext>
+    </p:extLst>
+  </p:cSld>
+  <p:clrMapOvr>
+    <a:masterClrMapping/>
+  </p:clrMapOvr>
+</p:sld>
+</file>
+
+<file path=ppt/slides/slide3.xml><?xml version="1.0" encoding="utf-8"?>
+<p:sld xmlns:a="http://schemas.openxmlformats.org/drawingml/2006/main" xmlns:r="http://schemas.openxmlformats.org/officeDocument/2006/relationships" xmlns:p="http://schemas.openxmlformats.org/presentationml/2006/main">
+  <p:cSld>
+    <p:spTree>
+      <p:nvGrpSpPr>
+        <p:cNvPr id="1" name=""/>
+        <p:cNvGrpSpPr/>
+        <p:nvPr/>
+      </p:nvGrpSpPr>
+      <p:grpSpPr>
+        <a:xfrm>
+          <a:off x="0" y="0"/>
+          <a:ext cx="0" cy="0"/>
+          <a:chOff x="0" y="0"/>
+          <a:chExt cx="0" cy="0"/>
+        </a:xfrm>
+      </p:grpSpPr>
+      <p:sp>
+        <p:nvSpPr>
+          <p:cNvPr id="4" name="正方形/長方形 3">
+            <a:extLst>
+              <a:ext uri="{FF2B5EF4-FFF2-40B4-BE49-F238E27FC236}">
+                <a16:creationId xmlns:a16="http://schemas.microsoft.com/office/drawing/2014/main" id="{18B1CDA3-1A77-4C23-AC79-74FE12ED4D00}"/>
+              </a:ext>
+            </a:extLst>
+          </p:cNvPr>
+          <p:cNvSpPr/>
+          <p:nvPr/>
+        </p:nvSpPr>
+        <p:spPr>
+          <a:xfrm>
+            <a:off x="2803377" y="4867"/>
+            <a:ext cx="5760000" cy="5760000"/>
+          </a:xfrm>
+          <a:prstGeom prst="rect">
+            <a:avLst/>
+          </a:prstGeom>
+          <a:solidFill>
+            <a:schemeClr val="accent5">
+              <a:lumMod val="75000"/>
+            </a:schemeClr>
+          </a:solidFill>
+          <a:ln>
+            <a:noFill/>
+          </a:ln>
+        </p:spPr>
+        <p:style>
+          <a:lnRef idx="2">
+            <a:schemeClr val="accent1">
+              <a:shade val="50000"/>
+            </a:schemeClr>
+          </a:lnRef>
+          <a:fillRef idx="1">
+            <a:schemeClr val="accent1"/>
+          </a:fillRef>
+          <a:effectRef idx="0">
+            <a:schemeClr val="accent1"/>
+          </a:effectRef>
+          <a:fontRef idx="minor">
+            <a:schemeClr val="lt1"/>
+          </a:fontRef>
+        </p:style>
+        <p:txBody>
+          <a:bodyPr rtlCol="0" anchor="ctr"/>
+          <a:lstStyle/>
+          <a:p>
+            <a:pPr algn="ctr"/>
+            <a:endParaRPr kumimoji="1" lang="ja-JP" altLang="en-US"/>
+          </a:p>
+        </p:txBody>
+      </p:sp>
+      <p:sp>
+        <p:nvSpPr>
+          <p:cNvPr id="13" name="正方形/長方形 12">
+            <a:extLst>
+              <a:ext uri="{FF2B5EF4-FFF2-40B4-BE49-F238E27FC236}">
+                <a16:creationId xmlns:a16="http://schemas.microsoft.com/office/drawing/2014/main" id="{93EA11A7-1EEB-4911-92BB-1477F4EB5A2B}"/>
+              </a:ext>
+            </a:extLst>
+          </p:cNvPr>
+          <p:cNvSpPr/>
+          <p:nvPr/>
+        </p:nvSpPr>
+        <p:spPr>
+          <a:xfrm rot="19714208">
+            <a:off x="6028666" y="1879011"/>
+            <a:ext cx="825001" cy="3327286"/>
+          </a:xfrm>
+          <a:prstGeom prst="rect">
+            <a:avLst/>
+          </a:prstGeom>
+          <a:solidFill>
+            <a:schemeClr val="bg1"/>
+          </a:solidFill>
+          <a:ln>
+            <a:noFill/>
+          </a:ln>
+        </p:spPr>
+        <p:style>
+          <a:lnRef idx="2">
+            <a:schemeClr val="accent1">
+              <a:shade val="50000"/>
+            </a:schemeClr>
+          </a:lnRef>
+          <a:fillRef idx="1">
+            <a:schemeClr val="accent1"/>
+          </a:fillRef>
+          <a:effectRef idx="0">
+            <a:schemeClr val="accent1"/>
+          </a:effectRef>
+          <a:fontRef idx="minor">
+            <a:schemeClr val="lt1"/>
+          </a:fontRef>
+        </p:style>
+        <p:txBody>
+          <a:bodyPr rtlCol="0" anchor="ctr"/>
+          <a:lstStyle/>
+          <a:p>
+            <a:pPr algn="ctr"/>
+            <a:endParaRPr kumimoji="1" lang="ja-JP" altLang="en-US"/>
+          </a:p>
+        </p:txBody>
+      </p:sp>
+      <p:sp>
+        <p:nvSpPr>
+          <p:cNvPr id="7" name="テキスト ボックス 6">
+            <a:extLst>
+              <a:ext uri="{FF2B5EF4-FFF2-40B4-BE49-F238E27FC236}">
+                <a16:creationId xmlns:a16="http://schemas.microsoft.com/office/drawing/2014/main" id="{0B560CF2-5FBA-497F-A880-CF652C1A98F4}"/>
+              </a:ext>
+            </a:extLst>
+          </p:cNvPr>
+          <p:cNvSpPr txBox="1"/>
+          <p:nvPr/>
+        </p:nvSpPr>
+        <p:spPr>
+          <a:xfrm>
+            <a:off x="3465093" y="5689755"/>
+            <a:ext cx="6545179" cy="1200329"/>
+          </a:xfrm>
+          <a:prstGeom prst="rect">
+            <a:avLst/>
+          </a:prstGeom>
+          <a:noFill/>
+        </p:spPr>
+        <p:txBody>
+          <a:bodyPr wrap="square" rtlCol="0">
+            <a:spAutoFit/>
+          </a:bodyPr>
+          <a:lstStyle/>
+          <a:p>
+            <a:r>
+              <a:rPr lang="ja-JP" altLang="en-US" sz="7200" dirty="0"/>
+              <a:t>ファビコン</a:t>
+            </a:r>
+            <a:endParaRPr kumimoji="1" lang="ja-JP" altLang="en-US" sz="7200" dirty="0"/>
+          </a:p>
+        </p:txBody>
+      </p:sp>
+      <p:sp>
+        <p:nvSpPr>
+          <p:cNvPr id="11" name="正方形/長方形 10">
+            <a:extLst>
+              <a:ext uri="{FF2B5EF4-FFF2-40B4-BE49-F238E27FC236}">
+                <a16:creationId xmlns:a16="http://schemas.microsoft.com/office/drawing/2014/main" id="{89AB8676-A862-41D7-989F-B284EF4EE9FC}"/>
+              </a:ext>
+            </a:extLst>
+          </p:cNvPr>
+          <p:cNvSpPr/>
+          <p:nvPr/>
+        </p:nvSpPr>
+        <p:spPr>
+          <a:xfrm>
+            <a:off x="4116431" y="592428"/>
+            <a:ext cx="841935" cy="4584879"/>
+          </a:xfrm>
+          <a:prstGeom prst="rect">
+            <a:avLst/>
+          </a:prstGeom>
+          <a:solidFill>
+            <a:schemeClr val="bg1"/>
+          </a:solidFill>
+          <a:ln>
+            <a:noFill/>
+          </a:ln>
+        </p:spPr>
+        <p:style>
+          <a:lnRef idx="2">
+            <a:schemeClr val="accent1">
+              <a:shade val="50000"/>
+            </a:schemeClr>
+          </a:lnRef>
+          <a:fillRef idx="1">
+            <a:schemeClr val="accent1"/>
+          </a:fillRef>
+          <a:effectRef idx="0">
+            <a:schemeClr val="accent1"/>
+          </a:effectRef>
+          <a:fontRef idx="minor">
+            <a:schemeClr val="lt1"/>
+          </a:fontRef>
+        </p:style>
+        <p:txBody>
+          <a:bodyPr rtlCol="0" anchor="ctr"/>
+          <a:lstStyle/>
+          <a:p>
+            <a:pPr algn="ctr"/>
+            <a:endParaRPr kumimoji="1" lang="ja-JP" altLang="en-US"/>
+          </a:p>
+        </p:txBody>
+      </p:sp>
+      <p:sp>
+        <p:nvSpPr>
+          <p:cNvPr id="12" name="正方形/長方形 11">
+            <a:extLst>
+              <a:ext uri="{FF2B5EF4-FFF2-40B4-BE49-F238E27FC236}">
+                <a16:creationId xmlns:a16="http://schemas.microsoft.com/office/drawing/2014/main" id="{6DB8C5D4-80E1-4019-B309-1DD0CAEE0F5F}"/>
+              </a:ext>
+            </a:extLst>
+          </p:cNvPr>
+          <p:cNvSpPr/>
+          <p:nvPr/>
+        </p:nvSpPr>
+        <p:spPr>
+          <a:xfrm rot="2704868">
+            <a:off x="5291356" y="323548"/>
+            <a:ext cx="784042" cy="3643908"/>
+          </a:xfrm>
+          <a:prstGeom prst="rect">
+            <a:avLst/>
+          </a:prstGeom>
+          <a:solidFill>
+            <a:schemeClr val="bg1"/>
+          </a:solidFill>
+          <a:ln>
+            <a:noFill/>
+          </a:ln>
+        </p:spPr>
+        <p:style>
+          <a:lnRef idx="2">
+            <a:schemeClr val="accent1">
+              <a:shade val="50000"/>
+            </a:schemeClr>
+          </a:lnRef>
+          <a:fillRef idx="1">
+            <a:schemeClr val="accent1"/>
+          </a:fillRef>
+          <a:effectRef idx="0">
+            <a:schemeClr val="accent1"/>
+          </a:effectRef>
+          <a:fontRef idx="minor">
+            <a:schemeClr val="lt1"/>
+          </a:fontRef>
+        </p:style>
+        <p:txBody>
+          <a:bodyPr rtlCol="0" anchor="ctr"/>
+          <a:lstStyle/>
+          <a:p>
+            <a:pPr algn="ctr"/>
+            <a:endParaRPr kumimoji="1" lang="ja-JP" altLang="en-US"/>
+          </a:p>
+        </p:txBody>
+      </p:sp>
+    </p:spTree>
+    <p:extLst>
+      <p:ext uri="{BB962C8B-B14F-4D97-AF65-F5344CB8AC3E}">
+        <p14:creationId xmlns:p14="http://schemas.microsoft.com/office/powerpoint/2010/main" val="1987463275"/>
       </p:ext>
     </p:extLst>
   </p:cSld>
@@ -5251,7 +5533,42 @@
       </a:bgFillStyleLst>
     </a:fmtScheme>
   </a:themeElements>
-  <a:objectDefaults/>
+  <a:objectDefaults>
+    <a:spDef>
+      <a:spPr>
+        <a:solidFill>
+          <a:schemeClr val="accent5">
+            <a:lumMod val="75000"/>
+          </a:schemeClr>
+        </a:solidFill>
+        <a:ln>
+          <a:noFill/>
+        </a:ln>
+      </a:spPr>
+      <a:bodyPr rtlCol="0" anchor="ctr"/>
+      <a:lstStyle>
+        <a:defPPr algn="ctr">
+          <a:defRPr kumimoji="1"/>
+        </a:defPPr>
+      </a:lstStyle>
+      <a:style>
+        <a:lnRef idx="2">
+          <a:schemeClr val="accent1">
+            <a:shade val="50000"/>
+          </a:schemeClr>
+        </a:lnRef>
+        <a:fillRef idx="1">
+          <a:schemeClr val="accent1"/>
+        </a:fillRef>
+        <a:effectRef idx="0">
+          <a:schemeClr val="accent1"/>
+        </a:effectRef>
+        <a:fontRef idx="minor">
+          <a:schemeClr val="lt1"/>
+        </a:fontRef>
+      </a:style>
+    </a:spDef>
+  </a:objectDefaults>
   <a:extraClrSchemeLst/>
   <a:extLst>
     <a:ext uri="{05A4C25C-085E-4340-85A3-A5531E510DB2}">

--- a/kimoto_system_icon.pptx
+++ b/kimoto_system_icon.pptx
@@ -8,6 +8,7 @@
     <p:sldId id="256" r:id="rId2"/>
     <p:sldId id="257" r:id="rId3"/>
     <p:sldId id="258" r:id="rId4"/>
+    <p:sldId id="259" r:id="rId5"/>
   </p:sldIdLst>
   <p:sldSz cx="12192000" cy="6858000"/>
   <p:notesSz cx="6858000" cy="9144000"/>
@@ -114,6 +115,75 @@
 </p:presentation>
 </file>
 
+<file path=ppt/revisionInfo.xml><?xml version="1.0" encoding="utf-8"?>
+<p1510:revInfo xmlns:a="http://schemas.openxmlformats.org/drawingml/2006/main" xmlns:r="http://schemas.openxmlformats.org/officeDocument/2006/relationships" xmlns:p1510="http://schemas.microsoft.com/office/powerpoint/2015/10/main">
+  <p1510:revLst>
+    <p1510:client id="{A43A4F39-93B3-4F2F-AFDC-40FA7C578CED}" v="17" dt="2020-02-08T01:30:13.457"/>
+  </p1510:revLst>
+</p1510:revInfo>
+</file>
+
+<file path=ppt/changesInfos/changesInfo1.xml><?xml version="1.0" encoding="utf-8"?>
+<pc:chgInfo xmlns:a="http://schemas.openxmlformats.org/drawingml/2006/main" xmlns:r="http://schemas.openxmlformats.org/officeDocument/2006/relationships" xmlns:ac="http://schemas.microsoft.com/office/drawing/2013/main/command" xmlns:pc="http://schemas.microsoft.com/office/powerpoint/2013/main/command">
+  <pc:docChgLst>
+    <pc:chgData name="木本 裕紀" userId="605a8810adc954e2" providerId="LiveId" clId="{A43A4F39-93B3-4F2F-AFDC-40FA7C578CED}"/>
+    <pc:docChg chg="undo custSel addSld modSld">
+      <pc:chgData name="木本 裕紀" userId="605a8810adc954e2" providerId="LiveId" clId="{A43A4F39-93B3-4F2F-AFDC-40FA7C578CED}" dt="2020-02-08T01:30:13.457" v="128" actId="12788"/>
+      <pc:docMkLst>
+        <pc:docMk/>
+      </pc:docMkLst>
+      <pc:sldChg chg="addSp modSp add">
+        <pc:chgData name="木本 裕紀" userId="605a8810adc954e2" providerId="LiveId" clId="{A43A4F39-93B3-4F2F-AFDC-40FA7C578CED}" dt="2020-02-08T01:30:13.457" v="128" actId="12788"/>
+        <pc:sldMkLst>
+          <pc:docMk/>
+          <pc:sldMk cId="2287492837" sldId="259"/>
+        </pc:sldMkLst>
+        <pc:spChg chg="add mod">
+          <ac:chgData name="木本 裕紀" userId="605a8810adc954e2" providerId="LiveId" clId="{A43A4F39-93B3-4F2F-AFDC-40FA7C578CED}" dt="2020-02-08T01:25:23.482" v="114" actId="12788"/>
+          <ac:spMkLst>
+            <pc:docMk/>
+            <pc:sldMk cId="2287492837" sldId="259"/>
+            <ac:spMk id="2" creationId="{60E99707-FAC1-4D7E-B3D3-FDD77FA78135}"/>
+          </ac:spMkLst>
+        </pc:spChg>
+        <pc:spChg chg="add mod">
+          <ac:chgData name="木本 裕紀" userId="605a8810adc954e2" providerId="LiveId" clId="{A43A4F39-93B3-4F2F-AFDC-40FA7C578CED}" dt="2020-02-08T01:29:39.350" v="125" actId="14100"/>
+          <ac:spMkLst>
+            <pc:docMk/>
+            <pc:sldMk cId="2287492837" sldId="259"/>
+            <ac:spMk id="3" creationId="{34757A58-95BA-4068-8F59-5702842D3DAB}"/>
+          </ac:spMkLst>
+        </pc:spChg>
+        <pc:spChg chg="add mod">
+          <ac:chgData name="木本 裕紀" userId="605a8810adc954e2" providerId="LiveId" clId="{A43A4F39-93B3-4F2F-AFDC-40FA7C578CED}" dt="2020-02-08T01:29:39.350" v="125" actId="14100"/>
+          <ac:spMkLst>
+            <pc:docMk/>
+            <pc:sldMk cId="2287492837" sldId="259"/>
+            <ac:spMk id="4" creationId="{A89C3C68-90C6-4555-9675-F3D82A0C3105}"/>
+          </ac:spMkLst>
+        </pc:spChg>
+        <pc:spChg chg="add mod">
+          <ac:chgData name="木本 裕紀" userId="605a8810adc954e2" providerId="LiveId" clId="{A43A4F39-93B3-4F2F-AFDC-40FA7C578CED}" dt="2020-02-08T01:29:39.350" v="125" actId="14100"/>
+          <ac:spMkLst>
+            <pc:docMk/>
+            <pc:sldMk cId="2287492837" sldId="259"/>
+            <ac:spMk id="5" creationId="{A45E24C1-1511-4D03-A76C-23271BBBCAA2}"/>
+          </ac:spMkLst>
+        </pc:spChg>
+        <pc:spChg chg="add mod ord">
+          <ac:chgData name="木本 裕紀" userId="605a8810adc954e2" providerId="LiveId" clId="{A43A4F39-93B3-4F2F-AFDC-40FA7C578CED}" dt="2020-02-08T01:30:13.457" v="128" actId="12788"/>
+          <ac:spMkLst>
+            <pc:docMk/>
+            <pc:sldMk cId="2287492837" sldId="259"/>
+            <ac:spMk id="6" creationId="{9B64DD52-AB13-4F73-9C12-2FAD746FDA46}"/>
+          </ac:spMkLst>
+        </pc:spChg>
+      </pc:sldChg>
+    </pc:docChg>
+  </pc:docChgLst>
+</pc:chgInfo>
+</file>
+
 <file path=ppt/slideLayouts/slideLayout1.xml><?xml version="1.0" encoding="utf-8"?>
 <p:sldLayout xmlns:a="http://schemas.openxmlformats.org/drawingml/2006/main" xmlns:r="http://schemas.openxmlformats.org/officeDocument/2006/relationships" xmlns:p="http://schemas.openxmlformats.org/presentationml/2006/main" type="title" preserve="1">
   <p:cSld name="タイトル スライド">
@@ -261,7 +331,7 @@
           <a:p>
             <a:fld id="{58E8B392-0D56-498C-85B4-7CBB197B644F}" type="datetimeFigureOut">
               <a:rPr kumimoji="1" lang="ja-JP" altLang="en-US" smtClean="0"/>
-              <a:t>2020/2/5</a:t>
+              <a:t>2020/2/8</a:t>
             </a:fld>
             <a:endParaRPr kumimoji="1" lang="ja-JP" altLang="en-US"/>
           </a:p>
@@ -491,7 +561,7 @@
           <a:p>
             <a:fld id="{58E8B392-0D56-498C-85B4-7CBB197B644F}" type="datetimeFigureOut">
               <a:rPr kumimoji="1" lang="ja-JP" altLang="en-US" smtClean="0"/>
-              <a:t>2020/2/5</a:t>
+              <a:t>2020/2/8</a:t>
             </a:fld>
             <a:endParaRPr kumimoji="1" lang="ja-JP" altLang="en-US"/>
           </a:p>
@@ -731,7 +801,7 @@
           <a:p>
             <a:fld id="{58E8B392-0D56-498C-85B4-7CBB197B644F}" type="datetimeFigureOut">
               <a:rPr kumimoji="1" lang="ja-JP" altLang="en-US" smtClean="0"/>
-              <a:t>2020/2/5</a:t>
+              <a:t>2020/2/8</a:t>
             </a:fld>
             <a:endParaRPr kumimoji="1" lang="ja-JP" altLang="en-US"/>
           </a:p>
@@ -961,7 +1031,7 @@
           <a:p>
             <a:fld id="{58E8B392-0D56-498C-85B4-7CBB197B644F}" type="datetimeFigureOut">
               <a:rPr kumimoji="1" lang="ja-JP" altLang="en-US" smtClean="0"/>
-              <a:t>2020/2/5</a:t>
+              <a:t>2020/2/8</a:t>
             </a:fld>
             <a:endParaRPr kumimoji="1" lang="ja-JP" altLang="en-US"/>
           </a:p>
@@ -1236,7 +1306,7 @@
           <a:p>
             <a:fld id="{58E8B392-0D56-498C-85B4-7CBB197B644F}" type="datetimeFigureOut">
               <a:rPr kumimoji="1" lang="ja-JP" altLang="en-US" smtClean="0"/>
-              <a:t>2020/2/5</a:t>
+              <a:t>2020/2/8</a:t>
             </a:fld>
             <a:endParaRPr kumimoji="1" lang="ja-JP" altLang="en-US"/>
           </a:p>
@@ -1565,7 +1635,7 @@
           <a:p>
             <a:fld id="{58E8B392-0D56-498C-85B4-7CBB197B644F}" type="datetimeFigureOut">
               <a:rPr kumimoji="1" lang="ja-JP" altLang="en-US" smtClean="0"/>
-              <a:t>2020/2/5</a:t>
+              <a:t>2020/2/8</a:t>
             </a:fld>
             <a:endParaRPr kumimoji="1" lang="ja-JP" altLang="en-US"/>
           </a:p>
@@ -2041,7 +2111,7 @@
           <a:p>
             <a:fld id="{58E8B392-0D56-498C-85B4-7CBB197B644F}" type="datetimeFigureOut">
               <a:rPr kumimoji="1" lang="ja-JP" altLang="en-US" smtClean="0"/>
-              <a:t>2020/2/5</a:t>
+              <a:t>2020/2/8</a:t>
             </a:fld>
             <a:endParaRPr kumimoji="1" lang="ja-JP" altLang="en-US"/>
           </a:p>
@@ -2182,7 +2252,7 @@
           <a:p>
             <a:fld id="{58E8B392-0D56-498C-85B4-7CBB197B644F}" type="datetimeFigureOut">
               <a:rPr kumimoji="1" lang="ja-JP" altLang="en-US" smtClean="0"/>
-              <a:t>2020/2/5</a:t>
+              <a:t>2020/2/8</a:t>
             </a:fld>
             <a:endParaRPr kumimoji="1" lang="ja-JP" altLang="en-US"/>
           </a:p>
@@ -2295,7 +2365,7 @@
           <a:p>
             <a:fld id="{58E8B392-0D56-498C-85B4-7CBB197B644F}" type="datetimeFigureOut">
               <a:rPr kumimoji="1" lang="ja-JP" altLang="en-US" smtClean="0"/>
-              <a:t>2020/2/5</a:t>
+              <a:t>2020/2/8</a:t>
             </a:fld>
             <a:endParaRPr kumimoji="1" lang="ja-JP" altLang="en-US"/>
           </a:p>
@@ -2638,7 +2708,7 @@
           <a:p>
             <a:fld id="{58E8B392-0D56-498C-85B4-7CBB197B644F}" type="datetimeFigureOut">
               <a:rPr kumimoji="1" lang="ja-JP" altLang="en-US" smtClean="0"/>
-              <a:t>2020/2/5</a:t>
+              <a:t>2020/2/8</a:t>
             </a:fld>
             <a:endParaRPr kumimoji="1" lang="ja-JP" altLang="en-US"/>
           </a:p>
@@ -2926,7 +2996,7 @@
           <a:p>
             <a:fld id="{58E8B392-0D56-498C-85B4-7CBB197B644F}" type="datetimeFigureOut">
               <a:rPr kumimoji="1" lang="ja-JP" altLang="en-US" smtClean="0"/>
-              <a:t>2020/2/5</a:t>
+              <a:t>2020/2/8</a:t>
             </a:fld>
             <a:endParaRPr kumimoji="1" lang="ja-JP" altLang="en-US"/>
           </a:p>
@@ -3199,7 +3269,7 @@
           <a:p>
             <a:fld id="{58E8B392-0D56-498C-85B4-7CBB197B644F}" type="datetimeFigureOut">
               <a:rPr kumimoji="1" lang="ja-JP" altLang="en-US" smtClean="0"/>
-              <a:t>2020/2/5</a:t>
+              <a:t>2020/2/8</a:t>
             </a:fld>
             <a:endParaRPr kumimoji="1" lang="ja-JP" altLang="en-US"/>
           </a:p>
@@ -5248,6 +5318,293 @@
 </p:sld>
 </file>
 
+<file path=ppt/slides/slide4.xml><?xml version="1.0" encoding="utf-8"?>
+<p:sld xmlns:a="http://schemas.openxmlformats.org/drawingml/2006/main" xmlns:r="http://schemas.openxmlformats.org/officeDocument/2006/relationships" xmlns:p="http://schemas.openxmlformats.org/presentationml/2006/main">
+  <p:cSld>
+    <p:spTree>
+      <p:nvGrpSpPr>
+        <p:cNvPr id="1" name=""/>
+        <p:cNvGrpSpPr/>
+        <p:nvPr/>
+      </p:nvGrpSpPr>
+      <p:grpSpPr>
+        <a:xfrm>
+          <a:off x="0" y="0"/>
+          <a:ext cx="0" cy="0"/>
+          <a:chOff x="0" y="0"/>
+          <a:chExt cx="0" cy="0"/>
+        </a:xfrm>
+      </p:grpSpPr>
+      <p:sp>
+        <p:nvSpPr>
+          <p:cNvPr id="6" name="正方形/長方形 5">
+            <a:extLst>
+              <a:ext uri="{FF2B5EF4-FFF2-40B4-BE49-F238E27FC236}">
+                <a16:creationId xmlns:a16="http://schemas.microsoft.com/office/drawing/2014/main" id="{9B64DD52-AB13-4F73-9C12-2FAD746FDA46}"/>
+              </a:ext>
+            </a:extLst>
+          </p:cNvPr>
+          <p:cNvSpPr/>
+          <p:nvPr/>
+        </p:nvSpPr>
+        <p:spPr>
+          <a:xfrm>
+            <a:off x="3453600" y="125504"/>
+            <a:ext cx="5284800" cy="5284659"/>
+          </a:xfrm>
+          <a:prstGeom prst="rect">
+            <a:avLst/>
+          </a:prstGeom>
+          <a:noFill/>
+          <a:ln>
+            <a:noFill/>
+          </a:ln>
+        </p:spPr>
+        <p:style>
+          <a:lnRef idx="2">
+            <a:schemeClr val="accent1">
+              <a:shade val="50000"/>
+            </a:schemeClr>
+          </a:lnRef>
+          <a:fillRef idx="1">
+            <a:schemeClr val="accent1"/>
+          </a:fillRef>
+          <a:effectRef idx="0">
+            <a:schemeClr val="accent1"/>
+          </a:effectRef>
+          <a:fontRef idx="minor">
+            <a:schemeClr val="lt1"/>
+          </a:fontRef>
+        </p:style>
+        <p:txBody>
+          <a:bodyPr rot="0" spcFirstLastPara="0" vertOverflow="overflow" horzOverflow="overflow" vert="horz" wrap="square" lIns="91440" tIns="45720" rIns="91440" bIns="45720" numCol="1" spcCol="0" rtlCol="0" fromWordArt="0" anchor="ctr" anchorCtr="0" forceAA="0" compatLnSpc="1">
+            <a:prstTxWarp prst="textNoShape">
+              <a:avLst/>
+            </a:prstTxWarp>
+            <a:noAutofit/>
+          </a:bodyPr>
+          <a:lstStyle/>
+          <a:p>
+            <a:pPr algn="ctr"/>
+            <a:endParaRPr kumimoji="1" lang="ja-JP" altLang="en-US"/>
+          </a:p>
+        </p:txBody>
+      </p:sp>
+      <p:sp>
+        <p:nvSpPr>
+          <p:cNvPr id="2" name="テキスト ボックス 1">
+            <a:extLst>
+              <a:ext uri="{FF2B5EF4-FFF2-40B4-BE49-F238E27FC236}">
+                <a16:creationId xmlns:a16="http://schemas.microsoft.com/office/drawing/2014/main" id="{60E99707-FAC1-4D7E-B3D3-FDD77FA78135}"/>
+              </a:ext>
+            </a:extLst>
+          </p:cNvPr>
+          <p:cNvSpPr txBox="1"/>
+          <p:nvPr/>
+        </p:nvSpPr>
+        <p:spPr>
+          <a:xfrm>
+            <a:off x="3488450" y="5657671"/>
+            <a:ext cx="5215101" cy="1200329"/>
+          </a:xfrm>
+          <a:prstGeom prst="rect">
+            <a:avLst/>
+          </a:prstGeom>
+          <a:noFill/>
+        </p:spPr>
+        <p:txBody>
+          <a:bodyPr wrap="square" rtlCol="0">
+            <a:spAutoFit/>
+          </a:bodyPr>
+          <a:lstStyle/>
+          <a:p>
+            <a:r>
+              <a:rPr kumimoji="1" lang="ja-JP" altLang="en-US" sz="7200" dirty="0"/>
+              <a:t>マップピン</a:t>
+            </a:r>
+          </a:p>
+        </p:txBody>
+      </p:sp>
+      <p:sp>
+        <p:nvSpPr>
+          <p:cNvPr id="3" name="楕円 2">
+            <a:extLst>
+              <a:ext uri="{FF2B5EF4-FFF2-40B4-BE49-F238E27FC236}">
+                <a16:creationId xmlns:a16="http://schemas.microsoft.com/office/drawing/2014/main" id="{34757A58-95BA-4068-8F59-5702842D3DAB}"/>
+              </a:ext>
+            </a:extLst>
+          </p:cNvPr>
+          <p:cNvSpPr/>
+          <p:nvPr/>
+        </p:nvSpPr>
+        <p:spPr>
+          <a:xfrm>
+            <a:off x="4458000" y="125505"/>
+            <a:ext cx="3276000" cy="3276000"/>
+          </a:xfrm>
+          <a:prstGeom prst="ellipse">
+            <a:avLst/>
+          </a:prstGeom>
+          <a:solidFill>
+            <a:schemeClr val="bg1">
+              <a:lumMod val="65000"/>
+            </a:schemeClr>
+          </a:solidFill>
+          <a:ln>
+            <a:noFill/>
+          </a:ln>
+        </p:spPr>
+        <p:style>
+          <a:lnRef idx="2">
+            <a:schemeClr val="accent1">
+              <a:shade val="50000"/>
+            </a:schemeClr>
+          </a:lnRef>
+          <a:fillRef idx="1">
+            <a:schemeClr val="accent1"/>
+          </a:fillRef>
+          <a:effectRef idx="0">
+            <a:schemeClr val="accent1"/>
+          </a:effectRef>
+          <a:fontRef idx="minor">
+            <a:schemeClr val="lt1"/>
+          </a:fontRef>
+        </p:style>
+        <p:txBody>
+          <a:bodyPr rtlCol="0" anchor="ctr"/>
+          <a:lstStyle/>
+          <a:p>
+            <a:pPr algn="ctr"/>
+            <a:endParaRPr kumimoji="1" lang="ja-JP" altLang="en-US"/>
+          </a:p>
+        </p:txBody>
+      </p:sp>
+      <p:sp>
+        <p:nvSpPr>
+          <p:cNvPr id="4" name="二等辺三角形 3">
+            <a:extLst>
+              <a:ext uri="{FF2B5EF4-FFF2-40B4-BE49-F238E27FC236}">
+                <a16:creationId xmlns:a16="http://schemas.microsoft.com/office/drawing/2014/main" id="{A89C3C68-90C6-4555-9675-F3D82A0C3105}"/>
+              </a:ext>
+            </a:extLst>
+          </p:cNvPr>
+          <p:cNvSpPr/>
+          <p:nvPr/>
+        </p:nvSpPr>
+        <p:spPr>
+          <a:xfrm rot="10800000">
+            <a:off x="4500000" y="2044800"/>
+            <a:ext cx="3189600" cy="3365364"/>
+          </a:xfrm>
+          <a:prstGeom prst="triangle">
+            <a:avLst>
+              <a:gd name="adj" fmla="val 50000"/>
+            </a:avLst>
+          </a:prstGeom>
+          <a:solidFill>
+            <a:schemeClr val="bg1">
+              <a:lumMod val="65000"/>
+            </a:schemeClr>
+          </a:solidFill>
+          <a:ln>
+            <a:noFill/>
+          </a:ln>
+        </p:spPr>
+        <p:style>
+          <a:lnRef idx="2">
+            <a:schemeClr val="accent1">
+              <a:shade val="50000"/>
+            </a:schemeClr>
+          </a:lnRef>
+          <a:fillRef idx="1">
+            <a:schemeClr val="accent1"/>
+          </a:fillRef>
+          <a:effectRef idx="0">
+            <a:schemeClr val="accent1"/>
+          </a:effectRef>
+          <a:fontRef idx="minor">
+            <a:schemeClr val="lt1"/>
+          </a:fontRef>
+        </p:style>
+        <p:txBody>
+          <a:bodyPr rtlCol="0" anchor="ctr"/>
+          <a:lstStyle/>
+          <a:p>
+            <a:pPr algn="ctr"/>
+            <a:endParaRPr kumimoji="1" lang="ja-JP" altLang="en-US"/>
+          </a:p>
+        </p:txBody>
+      </p:sp>
+      <p:sp>
+        <p:nvSpPr>
+          <p:cNvPr id="5" name="楕円 4">
+            <a:extLst>
+              <a:ext uri="{FF2B5EF4-FFF2-40B4-BE49-F238E27FC236}">
+                <a16:creationId xmlns:a16="http://schemas.microsoft.com/office/drawing/2014/main" id="{A45E24C1-1511-4D03-A76C-23271BBBCAA2}"/>
+              </a:ext>
+            </a:extLst>
+          </p:cNvPr>
+          <p:cNvSpPr/>
+          <p:nvPr/>
+        </p:nvSpPr>
+        <p:spPr>
+          <a:xfrm>
+            <a:off x="5369460" y="1066923"/>
+            <a:ext cx="1450678" cy="1393164"/>
+          </a:xfrm>
+          <a:prstGeom prst="ellipse">
+            <a:avLst/>
+          </a:prstGeom>
+          <a:solidFill>
+            <a:schemeClr val="bg1"/>
+          </a:solidFill>
+          <a:ln>
+            <a:noFill/>
+          </a:ln>
+        </p:spPr>
+        <p:style>
+          <a:lnRef idx="2">
+            <a:schemeClr val="accent1">
+              <a:shade val="50000"/>
+            </a:schemeClr>
+          </a:lnRef>
+          <a:fillRef idx="1">
+            <a:schemeClr val="accent1"/>
+          </a:fillRef>
+          <a:effectRef idx="0">
+            <a:schemeClr val="accent1"/>
+          </a:effectRef>
+          <a:fontRef idx="minor">
+            <a:schemeClr val="lt1"/>
+          </a:fontRef>
+        </p:style>
+        <p:txBody>
+          <a:bodyPr rot="0" spcFirstLastPara="0" vertOverflow="overflow" horzOverflow="overflow" vert="horz" wrap="square" lIns="91440" tIns="45720" rIns="91440" bIns="45720" numCol="1" spcCol="0" rtlCol="0" fromWordArt="0" anchor="ctr" anchorCtr="0" forceAA="0" compatLnSpc="1">
+            <a:prstTxWarp prst="textNoShape">
+              <a:avLst/>
+            </a:prstTxWarp>
+            <a:noAutofit/>
+          </a:bodyPr>
+          <a:lstStyle/>
+          <a:p>
+            <a:pPr algn="ctr"/>
+            <a:endParaRPr kumimoji="1" lang="ja-JP" altLang="en-US"/>
+          </a:p>
+        </p:txBody>
+      </p:sp>
+    </p:spTree>
+    <p:extLst>
+      <p:ext uri="{BB962C8B-B14F-4D97-AF65-F5344CB8AC3E}">
+        <p14:creationId xmlns:p14="http://schemas.microsoft.com/office/powerpoint/2010/main" val="2287492837"/>
+      </p:ext>
+    </p:extLst>
+  </p:cSld>
+  <p:clrMapOvr>
+    <a:masterClrMapping/>
+  </p:clrMapOvr>
+</p:sld>
+</file>
+
 <file path=ppt/theme/theme1.xml><?xml version="1.0" encoding="utf-8"?>
 <a:theme xmlns:a="http://schemas.openxmlformats.org/drawingml/2006/main" name="Office テーマ">
   <a:themeElements>
@@ -5537,8 +5894,8 @@
     <a:spDef>
       <a:spPr>
         <a:solidFill>
-          <a:schemeClr val="accent5">
-            <a:lumMod val="75000"/>
+          <a:schemeClr val="bg1">
+            <a:lumMod val="65000"/>
           </a:schemeClr>
         </a:solidFill>
         <a:ln>

--- a/kimoto_system_icon.pptx
+++ b/kimoto_system_icon.pptx
@@ -9,6 +9,7 @@
     <p:sldId id="257" r:id="rId3"/>
     <p:sldId id="258" r:id="rId4"/>
     <p:sldId id="259" r:id="rId5"/>
+    <p:sldId id="260" r:id="rId6"/>
   </p:sldIdLst>
   <p:sldSz cx="12192000" cy="6858000"/>
   <p:notesSz cx="6858000" cy="9144000"/>
@@ -118,13 +119,45 @@
 <file path=ppt/revisionInfo.xml><?xml version="1.0" encoding="utf-8"?>
 <p1510:revInfo xmlns:a="http://schemas.openxmlformats.org/drawingml/2006/main" xmlns:r="http://schemas.openxmlformats.org/officeDocument/2006/relationships" xmlns:p1510="http://schemas.microsoft.com/office/powerpoint/2015/10/main">
   <p1510:revLst>
-    <p1510:client id="{A43A4F39-93B3-4F2F-AFDC-40FA7C578CED}" v="17" dt="2020-02-08T01:30:13.457"/>
+    <p1510:client id="{818768A1-C342-4A6B-A8F7-4FFC43318C75}" v="3" dt="2020-02-09T23:35:44.922"/>
   </p1510:revLst>
 </p1510:revInfo>
 </file>
 
 <file path=ppt/changesInfos/changesInfo1.xml><?xml version="1.0" encoding="utf-8"?>
 <pc:chgInfo xmlns:a="http://schemas.openxmlformats.org/drawingml/2006/main" xmlns:r="http://schemas.openxmlformats.org/officeDocument/2006/relationships" xmlns:ac="http://schemas.microsoft.com/office/drawing/2013/main/command" xmlns:pc="http://schemas.microsoft.com/office/powerpoint/2013/main/command">
+  <pc:docChgLst>
+    <pc:chgData name="木本 裕紀" userId="605a8810adc954e2" providerId="LiveId" clId="{818768A1-C342-4A6B-A8F7-4FFC43318C75}"/>
+    <pc:docChg chg="addSld modSld">
+      <pc:chgData name="木本 裕紀" userId="605a8810adc954e2" providerId="LiveId" clId="{818768A1-C342-4A6B-A8F7-4FFC43318C75}" dt="2020-02-09T23:35:44.922" v="2" actId="207"/>
+      <pc:docMkLst>
+        <pc:docMk/>
+      </pc:docMkLst>
+      <pc:sldChg chg="modSp add">
+        <pc:chgData name="木本 裕紀" userId="605a8810adc954e2" providerId="LiveId" clId="{818768A1-C342-4A6B-A8F7-4FFC43318C75}" dt="2020-02-09T23:35:44.922" v="2" actId="207"/>
+        <pc:sldMkLst>
+          <pc:docMk/>
+          <pc:sldMk cId="2716053405" sldId="260"/>
+        </pc:sldMkLst>
+        <pc:spChg chg="mod">
+          <ac:chgData name="木本 裕紀" userId="605a8810adc954e2" providerId="LiveId" clId="{818768A1-C342-4A6B-A8F7-4FFC43318C75}" dt="2020-02-09T23:35:44.922" v="2" actId="207"/>
+          <ac:spMkLst>
+            <pc:docMk/>
+            <pc:sldMk cId="2716053405" sldId="260"/>
+            <ac:spMk id="3" creationId="{34757A58-95BA-4068-8F59-5702842D3DAB}"/>
+          </ac:spMkLst>
+        </pc:spChg>
+        <pc:spChg chg="mod">
+          <ac:chgData name="木本 裕紀" userId="605a8810adc954e2" providerId="LiveId" clId="{818768A1-C342-4A6B-A8F7-4FFC43318C75}" dt="2020-02-09T23:35:44.922" v="2" actId="207"/>
+          <ac:spMkLst>
+            <pc:docMk/>
+            <pc:sldMk cId="2716053405" sldId="260"/>
+            <ac:spMk id="4" creationId="{A89C3C68-90C6-4555-9675-F3D82A0C3105}"/>
+          </ac:spMkLst>
+        </pc:spChg>
+      </pc:sldChg>
+    </pc:docChg>
+  </pc:docChgLst>
   <pc:docChgLst>
     <pc:chgData name="木本 裕紀" userId="605a8810adc954e2" providerId="LiveId" clId="{A43A4F39-93B3-4F2F-AFDC-40FA7C578CED}"/>
     <pc:docChg chg="undo custSel addSld modSld">
@@ -331,7 +364,7 @@
           <a:p>
             <a:fld id="{58E8B392-0D56-498C-85B4-7CBB197B644F}" type="datetimeFigureOut">
               <a:rPr kumimoji="1" lang="ja-JP" altLang="en-US" smtClean="0"/>
-              <a:t>2020/2/8</a:t>
+              <a:t>2020/2/10</a:t>
             </a:fld>
             <a:endParaRPr kumimoji="1" lang="ja-JP" altLang="en-US"/>
           </a:p>
@@ -561,7 +594,7 @@
           <a:p>
             <a:fld id="{58E8B392-0D56-498C-85B4-7CBB197B644F}" type="datetimeFigureOut">
               <a:rPr kumimoji="1" lang="ja-JP" altLang="en-US" smtClean="0"/>
-              <a:t>2020/2/8</a:t>
+              <a:t>2020/2/10</a:t>
             </a:fld>
             <a:endParaRPr kumimoji="1" lang="ja-JP" altLang="en-US"/>
           </a:p>
@@ -801,7 +834,7 @@
           <a:p>
             <a:fld id="{58E8B392-0D56-498C-85B4-7CBB197B644F}" type="datetimeFigureOut">
               <a:rPr kumimoji="1" lang="ja-JP" altLang="en-US" smtClean="0"/>
-              <a:t>2020/2/8</a:t>
+              <a:t>2020/2/10</a:t>
             </a:fld>
             <a:endParaRPr kumimoji="1" lang="ja-JP" altLang="en-US"/>
           </a:p>
@@ -1031,7 +1064,7 @@
           <a:p>
             <a:fld id="{58E8B392-0D56-498C-85B4-7CBB197B644F}" type="datetimeFigureOut">
               <a:rPr kumimoji="1" lang="ja-JP" altLang="en-US" smtClean="0"/>
-              <a:t>2020/2/8</a:t>
+              <a:t>2020/2/10</a:t>
             </a:fld>
             <a:endParaRPr kumimoji="1" lang="ja-JP" altLang="en-US"/>
           </a:p>
@@ -1306,7 +1339,7 @@
           <a:p>
             <a:fld id="{58E8B392-0D56-498C-85B4-7CBB197B644F}" type="datetimeFigureOut">
               <a:rPr kumimoji="1" lang="ja-JP" altLang="en-US" smtClean="0"/>
-              <a:t>2020/2/8</a:t>
+              <a:t>2020/2/10</a:t>
             </a:fld>
             <a:endParaRPr kumimoji="1" lang="ja-JP" altLang="en-US"/>
           </a:p>
@@ -1635,7 +1668,7 @@
           <a:p>
             <a:fld id="{58E8B392-0D56-498C-85B4-7CBB197B644F}" type="datetimeFigureOut">
               <a:rPr kumimoji="1" lang="ja-JP" altLang="en-US" smtClean="0"/>
-              <a:t>2020/2/8</a:t>
+              <a:t>2020/2/10</a:t>
             </a:fld>
             <a:endParaRPr kumimoji="1" lang="ja-JP" altLang="en-US"/>
           </a:p>
@@ -2111,7 +2144,7 @@
           <a:p>
             <a:fld id="{58E8B392-0D56-498C-85B4-7CBB197B644F}" type="datetimeFigureOut">
               <a:rPr kumimoji="1" lang="ja-JP" altLang="en-US" smtClean="0"/>
-              <a:t>2020/2/8</a:t>
+              <a:t>2020/2/10</a:t>
             </a:fld>
             <a:endParaRPr kumimoji="1" lang="ja-JP" altLang="en-US"/>
           </a:p>
@@ -2252,7 +2285,7 @@
           <a:p>
             <a:fld id="{58E8B392-0D56-498C-85B4-7CBB197B644F}" type="datetimeFigureOut">
               <a:rPr kumimoji="1" lang="ja-JP" altLang="en-US" smtClean="0"/>
-              <a:t>2020/2/8</a:t>
+              <a:t>2020/2/10</a:t>
             </a:fld>
             <a:endParaRPr kumimoji="1" lang="ja-JP" altLang="en-US"/>
           </a:p>
@@ -2365,7 +2398,7 @@
           <a:p>
             <a:fld id="{58E8B392-0D56-498C-85B4-7CBB197B644F}" type="datetimeFigureOut">
               <a:rPr kumimoji="1" lang="ja-JP" altLang="en-US" smtClean="0"/>
-              <a:t>2020/2/8</a:t>
+              <a:t>2020/2/10</a:t>
             </a:fld>
             <a:endParaRPr kumimoji="1" lang="ja-JP" altLang="en-US"/>
           </a:p>
@@ -2708,7 +2741,7 @@
           <a:p>
             <a:fld id="{58E8B392-0D56-498C-85B4-7CBB197B644F}" type="datetimeFigureOut">
               <a:rPr kumimoji="1" lang="ja-JP" altLang="en-US" smtClean="0"/>
-              <a:t>2020/2/8</a:t>
+              <a:t>2020/2/10</a:t>
             </a:fld>
             <a:endParaRPr kumimoji="1" lang="ja-JP" altLang="en-US"/>
           </a:p>
@@ -2996,7 +3029,7 @@
           <a:p>
             <a:fld id="{58E8B392-0D56-498C-85B4-7CBB197B644F}" type="datetimeFigureOut">
               <a:rPr kumimoji="1" lang="ja-JP" altLang="en-US" smtClean="0"/>
-              <a:t>2020/2/8</a:t>
+              <a:t>2020/2/10</a:t>
             </a:fld>
             <a:endParaRPr kumimoji="1" lang="ja-JP" altLang="en-US"/>
           </a:p>
@@ -3269,7 +3302,7 @@
           <a:p>
             <a:fld id="{58E8B392-0D56-498C-85B4-7CBB197B644F}" type="datetimeFigureOut">
               <a:rPr kumimoji="1" lang="ja-JP" altLang="en-US" smtClean="0"/>
-              <a:t>2020/2/8</a:t>
+              <a:t>2020/2/10</a:t>
             </a:fld>
             <a:endParaRPr kumimoji="1" lang="ja-JP" altLang="en-US"/>
           </a:p>
@@ -5596,6 +5629,289 @@
     <p:extLst>
       <p:ext uri="{BB962C8B-B14F-4D97-AF65-F5344CB8AC3E}">
         <p14:creationId xmlns:p14="http://schemas.microsoft.com/office/powerpoint/2010/main" val="2287492837"/>
+      </p:ext>
+    </p:extLst>
+  </p:cSld>
+  <p:clrMapOvr>
+    <a:masterClrMapping/>
+  </p:clrMapOvr>
+</p:sld>
+</file>
+
+<file path=ppt/slides/slide5.xml><?xml version="1.0" encoding="utf-8"?>
+<p:sld xmlns:a="http://schemas.openxmlformats.org/drawingml/2006/main" xmlns:r="http://schemas.openxmlformats.org/officeDocument/2006/relationships" xmlns:p="http://schemas.openxmlformats.org/presentationml/2006/main">
+  <p:cSld>
+    <p:spTree>
+      <p:nvGrpSpPr>
+        <p:cNvPr id="1" name=""/>
+        <p:cNvGrpSpPr/>
+        <p:nvPr/>
+      </p:nvGrpSpPr>
+      <p:grpSpPr>
+        <a:xfrm>
+          <a:off x="0" y="0"/>
+          <a:ext cx="0" cy="0"/>
+          <a:chOff x="0" y="0"/>
+          <a:chExt cx="0" cy="0"/>
+        </a:xfrm>
+      </p:grpSpPr>
+      <p:sp>
+        <p:nvSpPr>
+          <p:cNvPr id="6" name="正方形/長方形 5">
+            <a:extLst>
+              <a:ext uri="{FF2B5EF4-FFF2-40B4-BE49-F238E27FC236}">
+                <a16:creationId xmlns:a16="http://schemas.microsoft.com/office/drawing/2014/main" id="{9B64DD52-AB13-4F73-9C12-2FAD746FDA46}"/>
+              </a:ext>
+            </a:extLst>
+          </p:cNvPr>
+          <p:cNvSpPr/>
+          <p:nvPr/>
+        </p:nvSpPr>
+        <p:spPr>
+          <a:xfrm>
+            <a:off x="3453600" y="125504"/>
+            <a:ext cx="5284800" cy="5284659"/>
+          </a:xfrm>
+          <a:prstGeom prst="rect">
+            <a:avLst/>
+          </a:prstGeom>
+          <a:noFill/>
+          <a:ln>
+            <a:noFill/>
+          </a:ln>
+        </p:spPr>
+        <p:style>
+          <a:lnRef idx="2">
+            <a:schemeClr val="accent1">
+              <a:shade val="50000"/>
+            </a:schemeClr>
+          </a:lnRef>
+          <a:fillRef idx="1">
+            <a:schemeClr val="accent1"/>
+          </a:fillRef>
+          <a:effectRef idx="0">
+            <a:schemeClr val="accent1"/>
+          </a:effectRef>
+          <a:fontRef idx="minor">
+            <a:schemeClr val="lt1"/>
+          </a:fontRef>
+        </p:style>
+        <p:txBody>
+          <a:bodyPr rot="0" spcFirstLastPara="0" vertOverflow="overflow" horzOverflow="overflow" vert="horz" wrap="square" lIns="91440" tIns="45720" rIns="91440" bIns="45720" numCol="1" spcCol="0" rtlCol="0" fromWordArt="0" anchor="ctr" anchorCtr="0" forceAA="0" compatLnSpc="1">
+            <a:prstTxWarp prst="textNoShape">
+              <a:avLst/>
+            </a:prstTxWarp>
+            <a:noAutofit/>
+          </a:bodyPr>
+          <a:lstStyle/>
+          <a:p>
+            <a:pPr algn="ctr"/>
+            <a:endParaRPr kumimoji="1" lang="ja-JP" altLang="en-US"/>
+          </a:p>
+        </p:txBody>
+      </p:sp>
+      <p:sp>
+        <p:nvSpPr>
+          <p:cNvPr id="2" name="テキスト ボックス 1">
+            <a:extLst>
+              <a:ext uri="{FF2B5EF4-FFF2-40B4-BE49-F238E27FC236}">
+                <a16:creationId xmlns:a16="http://schemas.microsoft.com/office/drawing/2014/main" id="{60E99707-FAC1-4D7E-B3D3-FDD77FA78135}"/>
+              </a:ext>
+            </a:extLst>
+          </p:cNvPr>
+          <p:cNvSpPr txBox="1"/>
+          <p:nvPr/>
+        </p:nvSpPr>
+        <p:spPr>
+          <a:xfrm>
+            <a:off x="3488450" y="5657671"/>
+            <a:ext cx="5215101" cy="1200329"/>
+          </a:xfrm>
+          <a:prstGeom prst="rect">
+            <a:avLst/>
+          </a:prstGeom>
+          <a:noFill/>
+        </p:spPr>
+        <p:txBody>
+          <a:bodyPr wrap="square" rtlCol="0">
+            <a:spAutoFit/>
+          </a:bodyPr>
+          <a:lstStyle/>
+          <a:p>
+            <a:r>
+              <a:rPr kumimoji="1" lang="ja-JP" altLang="en-US" sz="7200" dirty="0"/>
+              <a:t>マップピン</a:t>
+            </a:r>
+          </a:p>
+        </p:txBody>
+      </p:sp>
+      <p:sp>
+        <p:nvSpPr>
+          <p:cNvPr id="3" name="楕円 2">
+            <a:extLst>
+              <a:ext uri="{FF2B5EF4-FFF2-40B4-BE49-F238E27FC236}">
+                <a16:creationId xmlns:a16="http://schemas.microsoft.com/office/drawing/2014/main" id="{34757A58-95BA-4068-8F59-5702842D3DAB}"/>
+              </a:ext>
+            </a:extLst>
+          </p:cNvPr>
+          <p:cNvSpPr/>
+          <p:nvPr/>
+        </p:nvSpPr>
+        <p:spPr>
+          <a:xfrm>
+            <a:off x="4458000" y="125505"/>
+            <a:ext cx="3276000" cy="3276000"/>
+          </a:xfrm>
+          <a:prstGeom prst="ellipse">
+            <a:avLst/>
+          </a:prstGeom>
+          <a:solidFill>
+            <a:srgbClr val="FF0000"/>
+          </a:solidFill>
+          <a:ln>
+            <a:noFill/>
+          </a:ln>
+        </p:spPr>
+        <p:style>
+          <a:lnRef idx="2">
+            <a:schemeClr val="accent1">
+              <a:shade val="50000"/>
+            </a:schemeClr>
+          </a:lnRef>
+          <a:fillRef idx="1">
+            <a:schemeClr val="accent1"/>
+          </a:fillRef>
+          <a:effectRef idx="0">
+            <a:schemeClr val="accent1"/>
+          </a:effectRef>
+          <a:fontRef idx="minor">
+            <a:schemeClr val="lt1"/>
+          </a:fontRef>
+        </p:style>
+        <p:txBody>
+          <a:bodyPr rtlCol="0" anchor="ctr"/>
+          <a:lstStyle/>
+          <a:p>
+            <a:pPr algn="ctr"/>
+            <a:endParaRPr kumimoji="1" lang="ja-JP" altLang="en-US"/>
+          </a:p>
+        </p:txBody>
+      </p:sp>
+      <p:sp>
+        <p:nvSpPr>
+          <p:cNvPr id="4" name="二等辺三角形 3">
+            <a:extLst>
+              <a:ext uri="{FF2B5EF4-FFF2-40B4-BE49-F238E27FC236}">
+                <a16:creationId xmlns:a16="http://schemas.microsoft.com/office/drawing/2014/main" id="{A89C3C68-90C6-4555-9675-F3D82A0C3105}"/>
+              </a:ext>
+            </a:extLst>
+          </p:cNvPr>
+          <p:cNvSpPr/>
+          <p:nvPr/>
+        </p:nvSpPr>
+        <p:spPr>
+          <a:xfrm rot="10800000">
+            <a:off x="4500000" y="2044800"/>
+            <a:ext cx="3189600" cy="3365364"/>
+          </a:xfrm>
+          <a:prstGeom prst="triangle">
+            <a:avLst>
+              <a:gd name="adj" fmla="val 50000"/>
+            </a:avLst>
+          </a:prstGeom>
+          <a:solidFill>
+            <a:srgbClr val="FF0000"/>
+          </a:solidFill>
+          <a:ln>
+            <a:noFill/>
+          </a:ln>
+        </p:spPr>
+        <p:style>
+          <a:lnRef idx="2">
+            <a:schemeClr val="accent1">
+              <a:shade val="50000"/>
+            </a:schemeClr>
+          </a:lnRef>
+          <a:fillRef idx="1">
+            <a:schemeClr val="accent1"/>
+          </a:fillRef>
+          <a:effectRef idx="0">
+            <a:schemeClr val="accent1"/>
+          </a:effectRef>
+          <a:fontRef idx="minor">
+            <a:schemeClr val="lt1"/>
+          </a:fontRef>
+        </p:style>
+        <p:txBody>
+          <a:bodyPr rtlCol="0" anchor="ctr"/>
+          <a:lstStyle/>
+          <a:p>
+            <a:pPr algn="ctr"/>
+            <a:endParaRPr kumimoji="1" lang="ja-JP" altLang="en-US"/>
+          </a:p>
+        </p:txBody>
+      </p:sp>
+      <p:sp>
+        <p:nvSpPr>
+          <p:cNvPr id="5" name="楕円 4">
+            <a:extLst>
+              <a:ext uri="{FF2B5EF4-FFF2-40B4-BE49-F238E27FC236}">
+                <a16:creationId xmlns:a16="http://schemas.microsoft.com/office/drawing/2014/main" id="{A45E24C1-1511-4D03-A76C-23271BBBCAA2}"/>
+              </a:ext>
+            </a:extLst>
+          </p:cNvPr>
+          <p:cNvSpPr/>
+          <p:nvPr/>
+        </p:nvSpPr>
+        <p:spPr>
+          <a:xfrm>
+            <a:off x="5369460" y="1066923"/>
+            <a:ext cx="1450678" cy="1393164"/>
+          </a:xfrm>
+          <a:prstGeom prst="ellipse">
+            <a:avLst/>
+          </a:prstGeom>
+          <a:solidFill>
+            <a:schemeClr val="bg1"/>
+          </a:solidFill>
+          <a:ln>
+            <a:noFill/>
+          </a:ln>
+        </p:spPr>
+        <p:style>
+          <a:lnRef idx="2">
+            <a:schemeClr val="accent1">
+              <a:shade val="50000"/>
+            </a:schemeClr>
+          </a:lnRef>
+          <a:fillRef idx="1">
+            <a:schemeClr val="accent1"/>
+          </a:fillRef>
+          <a:effectRef idx="0">
+            <a:schemeClr val="accent1"/>
+          </a:effectRef>
+          <a:fontRef idx="minor">
+            <a:schemeClr val="lt1"/>
+          </a:fontRef>
+        </p:style>
+        <p:txBody>
+          <a:bodyPr rot="0" spcFirstLastPara="0" vertOverflow="overflow" horzOverflow="overflow" vert="horz" wrap="square" lIns="91440" tIns="45720" rIns="91440" bIns="45720" numCol="1" spcCol="0" rtlCol="0" fromWordArt="0" anchor="ctr" anchorCtr="0" forceAA="0" compatLnSpc="1">
+            <a:prstTxWarp prst="textNoShape">
+              <a:avLst/>
+            </a:prstTxWarp>
+            <a:noAutofit/>
+          </a:bodyPr>
+          <a:lstStyle/>
+          <a:p>
+            <a:pPr algn="ctr"/>
+            <a:endParaRPr kumimoji="1" lang="ja-JP" altLang="en-US"/>
+          </a:p>
+        </p:txBody>
+      </p:sp>
+    </p:spTree>
+    <p:extLst>
+      <p:ext uri="{BB962C8B-B14F-4D97-AF65-F5344CB8AC3E}">
+        <p14:creationId xmlns:p14="http://schemas.microsoft.com/office/powerpoint/2010/main" val="2716053405"/>
       </p:ext>
     </p:extLst>
   </p:cSld>

--- a/kimoto_system_icon.pptx
+++ b/kimoto_system_icon.pptx
@@ -10,6 +10,7 @@
     <p:sldId id="258" r:id="rId4"/>
     <p:sldId id="259" r:id="rId5"/>
     <p:sldId id="260" r:id="rId6"/>
+    <p:sldId id="261" r:id="rId7"/>
   </p:sldIdLst>
   <p:sldSz cx="12192000" cy="6858000"/>
   <p:notesSz cx="6858000" cy="9144000"/>
@@ -119,7 +120,7 @@
 <file path=ppt/revisionInfo.xml><?xml version="1.0" encoding="utf-8"?>
 <p1510:revInfo xmlns:a="http://schemas.openxmlformats.org/drawingml/2006/main" xmlns:r="http://schemas.openxmlformats.org/officeDocument/2006/relationships" xmlns:p1510="http://schemas.microsoft.com/office/powerpoint/2015/10/main">
   <p1510:revLst>
-    <p1510:client id="{818768A1-C342-4A6B-A8F7-4FFC43318C75}" v="3" dt="2020-02-09T23:35:44.922"/>
+    <p1510:client id="{A43A4F39-93B3-4F2F-AFDC-40FA7C578CED}" v="23" dt="2020-02-11T02:58:28.506"/>
   </p1510:revLst>
 </p1510:revInfo>
 </file>
@@ -160,8 +161,8 @@
   </pc:docChgLst>
   <pc:docChgLst>
     <pc:chgData name="木本 裕紀" userId="605a8810adc954e2" providerId="LiveId" clId="{A43A4F39-93B3-4F2F-AFDC-40FA7C578CED}"/>
-    <pc:docChg chg="undo custSel addSld modSld">
-      <pc:chgData name="木本 裕紀" userId="605a8810adc954e2" providerId="LiveId" clId="{A43A4F39-93B3-4F2F-AFDC-40FA7C578CED}" dt="2020-02-08T01:30:13.457" v="128" actId="12788"/>
+    <pc:docChg chg="undo custSel addSld delSld modSld">
+      <pc:chgData name="木本 裕紀" userId="605a8810adc954e2" providerId="LiveId" clId="{A43A4F39-93B3-4F2F-AFDC-40FA7C578CED}" dt="2020-02-11T02:58:28.475" v="243" actId="207"/>
       <pc:docMkLst>
         <pc:docMk/>
       </pc:docMkLst>
@@ -212,6 +213,108 @@
           </ac:spMkLst>
         </pc:spChg>
       </pc:sldChg>
+      <pc:sldChg chg="add del">
+        <pc:chgData name="木本 裕紀" userId="605a8810adc954e2" providerId="LiveId" clId="{A43A4F39-93B3-4F2F-AFDC-40FA7C578CED}" dt="2020-02-11T00:50:35.120" v="130" actId="2696"/>
+        <pc:sldMkLst>
+          <pc:docMk/>
+          <pc:sldMk cId="680177504" sldId="261"/>
+        </pc:sldMkLst>
+      </pc:sldChg>
+      <pc:sldChg chg="addSp delSp modSp">
+        <pc:chgData name="木本 裕紀" userId="605a8810adc954e2" providerId="LiveId" clId="{A43A4F39-93B3-4F2F-AFDC-40FA7C578CED}" dt="2020-02-11T02:58:28.475" v="243" actId="207"/>
+        <pc:sldMkLst>
+          <pc:docMk/>
+          <pc:sldMk cId="1237535117" sldId="261"/>
+        </pc:sldMkLst>
+        <pc:spChg chg="mod">
+          <ac:chgData name="木本 裕紀" userId="605a8810adc954e2" providerId="LiveId" clId="{A43A4F39-93B3-4F2F-AFDC-40FA7C578CED}" dt="2020-02-11T01:01:39.041" v="238" actId="1076"/>
+          <ac:spMkLst>
+            <pc:docMk/>
+            <pc:sldMk cId="1237535117" sldId="261"/>
+            <ac:spMk id="2" creationId="{60E99707-FAC1-4D7E-B3D3-FDD77FA78135}"/>
+          </ac:spMkLst>
+        </pc:spChg>
+        <pc:spChg chg="del">
+          <ac:chgData name="木本 裕紀" userId="605a8810adc954e2" providerId="LiveId" clId="{A43A4F39-93B3-4F2F-AFDC-40FA7C578CED}" dt="2020-02-11T00:51:14.795" v="154" actId="478"/>
+          <ac:spMkLst>
+            <pc:docMk/>
+            <pc:sldMk cId="1237535117" sldId="261"/>
+            <ac:spMk id="3" creationId="{34757A58-95BA-4068-8F59-5702842D3DAB}"/>
+          </ac:spMkLst>
+        </pc:spChg>
+        <pc:spChg chg="del">
+          <ac:chgData name="木本 裕紀" userId="605a8810adc954e2" providerId="LiveId" clId="{A43A4F39-93B3-4F2F-AFDC-40FA7C578CED}" dt="2020-02-11T00:51:15.748" v="155" actId="478"/>
+          <ac:spMkLst>
+            <pc:docMk/>
+            <pc:sldMk cId="1237535117" sldId="261"/>
+            <ac:spMk id="4" creationId="{A89C3C68-90C6-4555-9675-F3D82A0C3105}"/>
+          </ac:spMkLst>
+        </pc:spChg>
+        <pc:spChg chg="add del">
+          <ac:chgData name="木本 裕紀" userId="605a8810adc954e2" providerId="LiveId" clId="{A43A4F39-93B3-4F2F-AFDC-40FA7C578CED}" dt="2020-02-11T01:03:06.401" v="242" actId="478"/>
+          <ac:spMkLst>
+            <pc:docMk/>
+            <pc:sldMk cId="1237535117" sldId="261"/>
+            <ac:spMk id="5" creationId="{A45E24C1-1511-4D03-A76C-23271BBBCAA2}"/>
+          </ac:spMkLst>
+        </pc:spChg>
+        <pc:spChg chg="del">
+          <ac:chgData name="木本 裕紀" userId="605a8810adc954e2" providerId="LiveId" clId="{A43A4F39-93B3-4F2F-AFDC-40FA7C578CED}" dt="2020-02-11T01:02:42.528" v="239" actId="478"/>
+          <ac:spMkLst>
+            <pc:docMk/>
+            <pc:sldMk cId="1237535117" sldId="261"/>
+            <ac:spMk id="6" creationId="{9B64DD52-AB13-4F73-9C12-2FAD746FDA46}"/>
+          </ac:spMkLst>
+        </pc:spChg>
+        <pc:spChg chg="add del mod">
+          <ac:chgData name="木本 裕紀" userId="605a8810adc954e2" providerId="LiveId" clId="{A43A4F39-93B3-4F2F-AFDC-40FA7C578CED}" dt="2020-02-11T02:58:28.475" v="243" actId="207"/>
+          <ac:spMkLst>
+            <pc:docMk/>
+            <pc:sldMk cId="1237535117" sldId="261"/>
+            <ac:spMk id="7" creationId="{3D71BC1B-A253-46E5-9969-5BE7188AAC4C}"/>
+          </ac:spMkLst>
+        </pc:spChg>
+        <pc:spChg chg="add del mod">
+          <ac:chgData name="木本 裕紀" userId="605a8810adc954e2" providerId="LiveId" clId="{A43A4F39-93B3-4F2F-AFDC-40FA7C578CED}" dt="2020-02-11T01:02:55.121" v="241" actId="478"/>
+          <ac:spMkLst>
+            <pc:docMk/>
+            <pc:sldMk cId="1237535117" sldId="261"/>
+            <ac:spMk id="8" creationId="{F8385510-D755-4FF9-A9A9-5B759EA570F6}"/>
+          </ac:spMkLst>
+        </pc:spChg>
+        <pc:spChg chg="add del mod">
+          <ac:chgData name="木本 裕紀" userId="605a8810adc954e2" providerId="LiveId" clId="{A43A4F39-93B3-4F2F-AFDC-40FA7C578CED}" dt="2020-02-11T01:02:55.121" v="241" actId="478"/>
+          <ac:spMkLst>
+            <pc:docMk/>
+            <pc:sldMk cId="1237535117" sldId="261"/>
+            <ac:spMk id="9" creationId="{595EF7F4-27C8-4161-A5F7-3DC4D190611C}"/>
+          </ac:spMkLst>
+        </pc:spChg>
+        <pc:spChg chg="add del mod">
+          <ac:chgData name="木本 裕紀" userId="605a8810adc954e2" providerId="LiveId" clId="{A43A4F39-93B3-4F2F-AFDC-40FA7C578CED}" dt="2020-02-11T01:02:55.121" v="241" actId="478"/>
+          <ac:spMkLst>
+            <pc:docMk/>
+            <pc:sldMk cId="1237535117" sldId="261"/>
+            <ac:spMk id="10" creationId="{FC6B1AFE-3446-4776-8978-FAC935AF9DCC}"/>
+          </ac:spMkLst>
+        </pc:spChg>
+        <pc:spChg chg="add del">
+          <ac:chgData name="木本 裕紀" userId="605a8810adc954e2" providerId="LiveId" clId="{A43A4F39-93B3-4F2F-AFDC-40FA7C578CED}" dt="2020-02-11T00:56:50.790" v="212"/>
+          <ac:spMkLst>
+            <pc:docMk/>
+            <pc:sldMk cId="1237535117" sldId="261"/>
+            <ac:spMk id="11" creationId="{CFAFFD49-6F89-4A3F-A7C7-670C8E4EB904}"/>
+          </ac:spMkLst>
+        </pc:spChg>
+        <pc:spChg chg="add del mod">
+          <ac:chgData name="木本 裕紀" userId="605a8810adc954e2" providerId="LiveId" clId="{A43A4F39-93B3-4F2F-AFDC-40FA7C578CED}" dt="2020-02-11T00:56:50.322" v="211"/>
+          <ac:spMkLst>
+            <pc:docMk/>
+            <pc:sldMk cId="1237535117" sldId="261"/>
+            <ac:spMk id="12" creationId="{78536C19-0540-45D6-BED4-79AAFF14E919}"/>
+          </ac:spMkLst>
+        </pc:spChg>
+      </pc:sldChg>
     </pc:docChg>
   </pc:docChgLst>
 </pc:chgInfo>
@@ -364,7 +467,7 @@
           <a:p>
             <a:fld id="{58E8B392-0D56-498C-85B4-7CBB197B644F}" type="datetimeFigureOut">
               <a:rPr kumimoji="1" lang="ja-JP" altLang="en-US" smtClean="0"/>
-              <a:t>2020/2/10</a:t>
+              <a:t>2020/2/11</a:t>
             </a:fld>
             <a:endParaRPr kumimoji="1" lang="ja-JP" altLang="en-US"/>
           </a:p>
@@ -594,7 +697,7 @@
           <a:p>
             <a:fld id="{58E8B392-0D56-498C-85B4-7CBB197B644F}" type="datetimeFigureOut">
               <a:rPr kumimoji="1" lang="ja-JP" altLang="en-US" smtClean="0"/>
-              <a:t>2020/2/10</a:t>
+              <a:t>2020/2/11</a:t>
             </a:fld>
             <a:endParaRPr kumimoji="1" lang="ja-JP" altLang="en-US"/>
           </a:p>
@@ -834,7 +937,7 @@
           <a:p>
             <a:fld id="{58E8B392-0D56-498C-85B4-7CBB197B644F}" type="datetimeFigureOut">
               <a:rPr kumimoji="1" lang="ja-JP" altLang="en-US" smtClean="0"/>
-              <a:t>2020/2/10</a:t>
+              <a:t>2020/2/11</a:t>
             </a:fld>
             <a:endParaRPr kumimoji="1" lang="ja-JP" altLang="en-US"/>
           </a:p>
@@ -1064,7 +1167,7 @@
           <a:p>
             <a:fld id="{58E8B392-0D56-498C-85B4-7CBB197B644F}" type="datetimeFigureOut">
               <a:rPr kumimoji="1" lang="ja-JP" altLang="en-US" smtClean="0"/>
-              <a:t>2020/2/10</a:t>
+              <a:t>2020/2/11</a:t>
             </a:fld>
             <a:endParaRPr kumimoji="1" lang="ja-JP" altLang="en-US"/>
           </a:p>
@@ -1339,7 +1442,7 @@
           <a:p>
             <a:fld id="{58E8B392-0D56-498C-85B4-7CBB197B644F}" type="datetimeFigureOut">
               <a:rPr kumimoji="1" lang="ja-JP" altLang="en-US" smtClean="0"/>
-              <a:t>2020/2/10</a:t>
+              <a:t>2020/2/11</a:t>
             </a:fld>
             <a:endParaRPr kumimoji="1" lang="ja-JP" altLang="en-US"/>
           </a:p>
@@ -1668,7 +1771,7 @@
           <a:p>
             <a:fld id="{58E8B392-0D56-498C-85B4-7CBB197B644F}" type="datetimeFigureOut">
               <a:rPr kumimoji="1" lang="ja-JP" altLang="en-US" smtClean="0"/>
-              <a:t>2020/2/10</a:t>
+              <a:t>2020/2/11</a:t>
             </a:fld>
             <a:endParaRPr kumimoji="1" lang="ja-JP" altLang="en-US"/>
           </a:p>
@@ -2144,7 +2247,7 @@
           <a:p>
             <a:fld id="{58E8B392-0D56-498C-85B4-7CBB197B644F}" type="datetimeFigureOut">
               <a:rPr kumimoji="1" lang="ja-JP" altLang="en-US" smtClean="0"/>
-              <a:t>2020/2/10</a:t>
+              <a:t>2020/2/11</a:t>
             </a:fld>
             <a:endParaRPr kumimoji="1" lang="ja-JP" altLang="en-US"/>
           </a:p>
@@ -2285,7 +2388,7 @@
           <a:p>
             <a:fld id="{58E8B392-0D56-498C-85B4-7CBB197B644F}" type="datetimeFigureOut">
               <a:rPr kumimoji="1" lang="ja-JP" altLang="en-US" smtClean="0"/>
-              <a:t>2020/2/10</a:t>
+              <a:t>2020/2/11</a:t>
             </a:fld>
             <a:endParaRPr kumimoji="1" lang="ja-JP" altLang="en-US"/>
           </a:p>
@@ -2398,7 +2501,7 @@
           <a:p>
             <a:fld id="{58E8B392-0D56-498C-85B4-7CBB197B644F}" type="datetimeFigureOut">
               <a:rPr kumimoji="1" lang="ja-JP" altLang="en-US" smtClean="0"/>
-              <a:t>2020/2/10</a:t>
+              <a:t>2020/2/11</a:t>
             </a:fld>
             <a:endParaRPr kumimoji="1" lang="ja-JP" altLang="en-US"/>
           </a:p>
@@ -2741,7 +2844,7 @@
           <a:p>
             <a:fld id="{58E8B392-0D56-498C-85B4-7CBB197B644F}" type="datetimeFigureOut">
               <a:rPr kumimoji="1" lang="ja-JP" altLang="en-US" smtClean="0"/>
-              <a:t>2020/2/10</a:t>
+              <a:t>2020/2/11</a:t>
             </a:fld>
             <a:endParaRPr kumimoji="1" lang="ja-JP" altLang="en-US"/>
           </a:p>
@@ -3029,7 +3132,7 @@
           <a:p>
             <a:fld id="{58E8B392-0D56-498C-85B4-7CBB197B644F}" type="datetimeFigureOut">
               <a:rPr kumimoji="1" lang="ja-JP" altLang="en-US" smtClean="0"/>
-              <a:t>2020/2/10</a:t>
+              <a:t>2020/2/11</a:t>
             </a:fld>
             <a:endParaRPr kumimoji="1" lang="ja-JP" altLang="en-US"/>
           </a:p>
@@ -3302,7 +3405,7 @@
           <a:p>
             <a:fld id="{58E8B392-0D56-498C-85B4-7CBB197B644F}" type="datetimeFigureOut">
               <a:rPr kumimoji="1" lang="ja-JP" altLang="en-US" smtClean="0"/>
-              <a:t>2020/2/10</a:t>
+              <a:t>2020/2/11</a:t>
             </a:fld>
             <a:endParaRPr kumimoji="1" lang="ja-JP" altLang="en-US"/>
           </a:p>
@@ -5912,6 +6015,317 @@
     <p:extLst>
       <p:ext uri="{BB962C8B-B14F-4D97-AF65-F5344CB8AC3E}">
         <p14:creationId xmlns:p14="http://schemas.microsoft.com/office/powerpoint/2010/main" val="2716053405"/>
+      </p:ext>
+    </p:extLst>
+  </p:cSld>
+  <p:clrMapOvr>
+    <a:masterClrMapping/>
+  </p:clrMapOvr>
+</p:sld>
+</file>
+
+<file path=ppt/slides/slide6.xml><?xml version="1.0" encoding="utf-8"?>
+<p:sld xmlns:a="http://schemas.openxmlformats.org/drawingml/2006/main" xmlns:r="http://schemas.openxmlformats.org/officeDocument/2006/relationships" xmlns:p="http://schemas.openxmlformats.org/presentationml/2006/main">
+  <p:cSld>
+    <p:spTree>
+      <p:nvGrpSpPr>
+        <p:cNvPr id="1" name=""/>
+        <p:cNvGrpSpPr/>
+        <p:nvPr/>
+      </p:nvGrpSpPr>
+      <p:grpSpPr>
+        <a:xfrm>
+          <a:off x="0" y="0"/>
+          <a:ext cx="0" cy="0"/>
+          <a:chOff x="0" y="0"/>
+          <a:chExt cx="0" cy="0"/>
+        </a:xfrm>
+      </p:grpSpPr>
+      <p:sp>
+        <p:nvSpPr>
+          <p:cNvPr id="2" name="テキスト ボックス 1">
+            <a:extLst>
+              <a:ext uri="{FF2B5EF4-FFF2-40B4-BE49-F238E27FC236}">
+                <a16:creationId xmlns:a16="http://schemas.microsoft.com/office/drawing/2014/main" id="{60E99707-FAC1-4D7E-B3D3-FDD77FA78135}"/>
+              </a:ext>
+            </a:extLst>
+          </p:cNvPr>
+          <p:cNvSpPr txBox="1"/>
+          <p:nvPr/>
+        </p:nvSpPr>
+        <p:spPr>
+          <a:xfrm>
+            <a:off x="2364828" y="5976977"/>
+            <a:ext cx="8013537" cy="1200329"/>
+          </a:xfrm>
+          <a:prstGeom prst="rect">
+            <a:avLst/>
+          </a:prstGeom>
+          <a:noFill/>
+        </p:spPr>
+        <p:txBody>
+          <a:bodyPr wrap="square" rtlCol="0">
+            <a:spAutoFit/>
+          </a:bodyPr>
+          <a:lstStyle/>
+          <a:p>
+            <a:pPr marL="0" marR="0" lvl="0" indent="0" algn="l" defTabSz="914400" rtl="0" eaLnBrk="1" fontAlgn="auto" latinLnBrk="0" hangingPunct="1">
+              <a:lnSpc>
+                <a:spcPct val="100000"/>
+              </a:lnSpc>
+              <a:spcBef>
+                <a:spcPts val="0"/>
+              </a:spcBef>
+              <a:spcAft>
+                <a:spcPts val="0"/>
+              </a:spcAft>
+              <a:buClrTx/>
+              <a:buSzTx/>
+              <a:buFontTx/>
+              <a:buNone/>
+              <a:tabLst/>
+              <a:defRPr/>
+            </a:pPr>
+            <a:r>
+              <a:rPr kumimoji="1" lang="ja-JP" altLang="en-US" sz="7200" b="0" i="0" u="none" strike="noStrike" kern="1200" cap="none" spc="0" normalizeH="0" baseline="0" noProof="0" dirty="0">
+                <a:ln>
+                  <a:noFill/>
+                </a:ln>
+                <a:solidFill>
+                  <a:prstClr val="black"/>
+                </a:solidFill>
+                <a:effectLst/>
+                <a:uLnTx/>
+                <a:uFillTx/>
+                <a:latin typeface="游ゴシック" panose="020F0502020204030204"/>
+                <a:ea typeface="游ゴシック" panose="020B0400000000000000" pitchFamily="50" charset="-128"/>
+                <a:cs typeface="+mn-cs"/>
+              </a:rPr>
+              <a:t>メニューアイコン</a:t>
+            </a:r>
+          </a:p>
+        </p:txBody>
+      </p:sp>
+      <p:sp>
+        <p:nvSpPr>
+          <p:cNvPr id="7" name="四角形: 角を丸くする 6">
+            <a:extLst>
+              <a:ext uri="{FF2B5EF4-FFF2-40B4-BE49-F238E27FC236}">
+                <a16:creationId xmlns:a16="http://schemas.microsoft.com/office/drawing/2014/main" id="{3D71BC1B-A253-46E5-9969-5BE7188AAC4C}"/>
+              </a:ext>
+            </a:extLst>
+          </p:cNvPr>
+          <p:cNvSpPr/>
+          <p:nvPr/>
+        </p:nvSpPr>
+        <p:spPr>
+          <a:xfrm>
+            <a:off x="3396000" y="729000"/>
+            <a:ext cx="5400000" cy="5400000"/>
+          </a:xfrm>
+          <a:prstGeom prst="roundRect">
+            <a:avLst/>
+          </a:prstGeom>
+          <a:solidFill>
+            <a:schemeClr val="accent5">
+              <a:lumMod val="75000"/>
+            </a:schemeClr>
+          </a:solidFill>
+          <a:ln>
+            <a:noFill/>
+          </a:ln>
+        </p:spPr>
+        <p:style>
+          <a:lnRef idx="2">
+            <a:schemeClr val="accent1">
+              <a:shade val="50000"/>
+            </a:schemeClr>
+          </a:lnRef>
+          <a:fillRef idx="1">
+            <a:schemeClr val="accent1"/>
+          </a:fillRef>
+          <a:effectRef idx="0">
+            <a:schemeClr val="accent1"/>
+          </a:effectRef>
+          <a:fontRef idx="minor">
+            <a:schemeClr val="lt1"/>
+          </a:fontRef>
+        </p:style>
+        <p:txBody>
+          <a:bodyPr rtlCol="0" anchor="ctr"/>
+          <a:lstStyle/>
+          <a:p>
+            <a:pPr algn="ctr"/>
+            <a:endParaRPr kumimoji="1" lang="ja-JP" altLang="en-US"/>
+          </a:p>
+        </p:txBody>
+      </p:sp>
+      <p:sp>
+        <p:nvSpPr>
+          <p:cNvPr id="8" name="四角形: 角を丸くする 7">
+            <a:extLst>
+              <a:ext uri="{FF2B5EF4-FFF2-40B4-BE49-F238E27FC236}">
+                <a16:creationId xmlns:a16="http://schemas.microsoft.com/office/drawing/2014/main" id="{F8385510-D755-4FF9-A9A9-5B759EA570F6}"/>
+              </a:ext>
+            </a:extLst>
+          </p:cNvPr>
+          <p:cNvSpPr/>
+          <p:nvPr/>
+        </p:nvSpPr>
+        <p:spPr>
+          <a:xfrm>
+            <a:off x="4363356" y="1986353"/>
+            <a:ext cx="3465289" cy="558000"/>
+          </a:xfrm>
+          <a:prstGeom prst="roundRect">
+            <a:avLst>
+              <a:gd name="adj" fmla="val 46667"/>
+            </a:avLst>
+          </a:prstGeom>
+          <a:solidFill>
+            <a:schemeClr val="bg1"/>
+          </a:solidFill>
+          <a:ln>
+            <a:noFill/>
+          </a:ln>
+        </p:spPr>
+        <p:style>
+          <a:lnRef idx="2">
+            <a:schemeClr val="accent1">
+              <a:shade val="50000"/>
+            </a:schemeClr>
+          </a:lnRef>
+          <a:fillRef idx="1">
+            <a:schemeClr val="accent1"/>
+          </a:fillRef>
+          <a:effectRef idx="0">
+            <a:schemeClr val="accent1"/>
+          </a:effectRef>
+          <a:fontRef idx="minor">
+            <a:schemeClr val="lt1"/>
+          </a:fontRef>
+        </p:style>
+        <p:txBody>
+          <a:bodyPr rtlCol="0" anchor="ctr"/>
+          <a:lstStyle/>
+          <a:p>
+            <a:pPr algn="ctr"/>
+            <a:endParaRPr kumimoji="1" lang="ja-JP" altLang="en-US"/>
+          </a:p>
+        </p:txBody>
+      </p:sp>
+      <p:sp>
+        <p:nvSpPr>
+          <p:cNvPr id="9" name="四角形: 角を丸くする 8">
+            <a:extLst>
+              <a:ext uri="{FF2B5EF4-FFF2-40B4-BE49-F238E27FC236}">
+                <a16:creationId xmlns:a16="http://schemas.microsoft.com/office/drawing/2014/main" id="{595EF7F4-27C8-4161-A5F7-3DC4D190611C}"/>
+              </a:ext>
+            </a:extLst>
+          </p:cNvPr>
+          <p:cNvSpPr/>
+          <p:nvPr/>
+        </p:nvSpPr>
+        <p:spPr>
+          <a:xfrm>
+            <a:off x="4363357" y="3150000"/>
+            <a:ext cx="3465288" cy="558000"/>
+          </a:xfrm>
+          <a:prstGeom prst="roundRect">
+            <a:avLst>
+              <a:gd name="adj" fmla="val 46667"/>
+            </a:avLst>
+          </a:prstGeom>
+          <a:solidFill>
+            <a:schemeClr val="bg1"/>
+          </a:solidFill>
+          <a:ln>
+            <a:noFill/>
+          </a:ln>
+        </p:spPr>
+        <p:style>
+          <a:lnRef idx="2">
+            <a:schemeClr val="accent1">
+              <a:shade val="50000"/>
+            </a:schemeClr>
+          </a:lnRef>
+          <a:fillRef idx="1">
+            <a:schemeClr val="accent1"/>
+          </a:fillRef>
+          <a:effectRef idx="0">
+            <a:schemeClr val="accent1"/>
+          </a:effectRef>
+          <a:fontRef idx="minor">
+            <a:schemeClr val="lt1"/>
+          </a:fontRef>
+        </p:style>
+        <p:txBody>
+          <a:bodyPr rtlCol="0" anchor="ctr"/>
+          <a:lstStyle/>
+          <a:p>
+            <a:pPr algn="ctr"/>
+            <a:endParaRPr kumimoji="1" lang="ja-JP" altLang="en-US"/>
+          </a:p>
+        </p:txBody>
+      </p:sp>
+      <p:sp>
+        <p:nvSpPr>
+          <p:cNvPr id="10" name="四角形: 角を丸くする 9">
+            <a:extLst>
+              <a:ext uri="{FF2B5EF4-FFF2-40B4-BE49-F238E27FC236}">
+                <a16:creationId xmlns:a16="http://schemas.microsoft.com/office/drawing/2014/main" id="{FC6B1AFE-3446-4776-8978-FAC935AF9DCC}"/>
+              </a:ext>
+            </a:extLst>
+          </p:cNvPr>
+          <p:cNvSpPr/>
+          <p:nvPr/>
+        </p:nvSpPr>
+        <p:spPr>
+          <a:xfrm>
+            <a:off x="4363356" y="4311496"/>
+            <a:ext cx="3465289" cy="558000"/>
+          </a:xfrm>
+          <a:prstGeom prst="roundRect">
+            <a:avLst>
+              <a:gd name="adj" fmla="val 46667"/>
+            </a:avLst>
+          </a:prstGeom>
+          <a:solidFill>
+            <a:schemeClr val="bg1"/>
+          </a:solidFill>
+          <a:ln>
+            <a:noFill/>
+          </a:ln>
+        </p:spPr>
+        <p:style>
+          <a:lnRef idx="2">
+            <a:schemeClr val="accent1">
+              <a:shade val="50000"/>
+            </a:schemeClr>
+          </a:lnRef>
+          <a:fillRef idx="1">
+            <a:schemeClr val="accent1"/>
+          </a:fillRef>
+          <a:effectRef idx="0">
+            <a:schemeClr val="accent1"/>
+          </a:effectRef>
+          <a:fontRef idx="minor">
+            <a:schemeClr val="lt1"/>
+          </a:fontRef>
+        </p:style>
+        <p:txBody>
+          <a:bodyPr rtlCol="0" anchor="ctr"/>
+          <a:lstStyle/>
+          <a:p>
+            <a:pPr algn="ctr"/>
+            <a:endParaRPr kumimoji="1" lang="ja-JP" altLang="en-US"/>
+          </a:p>
+        </p:txBody>
+      </p:sp>
+    </p:spTree>
+    <p:extLst>
+      <p:ext uri="{BB962C8B-B14F-4D97-AF65-F5344CB8AC3E}">
+        <p14:creationId xmlns:p14="http://schemas.microsoft.com/office/powerpoint/2010/main" val="1237535117"/>
       </p:ext>
     </p:extLst>
   </p:cSld>

--- a/kimoto_system_icon.pptx
+++ b/kimoto_system_icon.pptx
@@ -127,38 +127,6 @@
 
 <file path=ppt/changesInfos/changesInfo1.xml><?xml version="1.0" encoding="utf-8"?>
 <pc:chgInfo xmlns:a="http://schemas.openxmlformats.org/drawingml/2006/main" xmlns:r="http://schemas.openxmlformats.org/officeDocument/2006/relationships" xmlns:ac="http://schemas.microsoft.com/office/drawing/2013/main/command" xmlns:pc="http://schemas.microsoft.com/office/powerpoint/2013/main/command">
-  <pc:docChgLst>
-    <pc:chgData name="木本 裕紀" userId="605a8810adc954e2" providerId="LiveId" clId="{818768A1-C342-4A6B-A8F7-4FFC43318C75}"/>
-    <pc:docChg chg="addSld modSld">
-      <pc:chgData name="木本 裕紀" userId="605a8810adc954e2" providerId="LiveId" clId="{818768A1-C342-4A6B-A8F7-4FFC43318C75}" dt="2020-02-09T23:35:44.922" v="2" actId="207"/>
-      <pc:docMkLst>
-        <pc:docMk/>
-      </pc:docMkLst>
-      <pc:sldChg chg="modSp add">
-        <pc:chgData name="木本 裕紀" userId="605a8810adc954e2" providerId="LiveId" clId="{818768A1-C342-4A6B-A8F7-4FFC43318C75}" dt="2020-02-09T23:35:44.922" v="2" actId="207"/>
-        <pc:sldMkLst>
-          <pc:docMk/>
-          <pc:sldMk cId="2716053405" sldId="260"/>
-        </pc:sldMkLst>
-        <pc:spChg chg="mod">
-          <ac:chgData name="木本 裕紀" userId="605a8810adc954e2" providerId="LiveId" clId="{818768A1-C342-4A6B-A8F7-4FFC43318C75}" dt="2020-02-09T23:35:44.922" v="2" actId="207"/>
-          <ac:spMkLst>
-            <pc:docMk/>
-            <pc:sldMk cId="2716053405" sldId="260"/>
-            <ac:spMk id="3" creationId="{34757A58-95BA-4068-8F59-5702842D3DAB}"/>
-          </ac:spMkLst>
-        </pc:spChg>
-        <pc:spChg chg="mod">
-          <ac:chgData name="木本 裕紀" userId="605a8810adc954e2" providerId="LiveId" clId="{818768A1-C342-4A6B-A8F7-4FFC43318C75}" dt="2020-02-09T23:35:44.922" v="2" actId="207"/>
-          <ac:spMkLst>
-            <pc:docMk/>
-            <pc:sldMk cId="2716053405" sldId="260"/>
-            <ac:spMk id="4" creationId="{A89C3C68-90C6-4555-9675-F3D82A0C3105}"/>
-          </ac:spMkLst>
-        </pc:spChg>
-      </pc:sldChg>
-    </pc:docChg>
-  </pc:docChgLst>
   <pc:docChgLst>
     <pc:chgData name="木本 裕紀" userId="605a8810adc954e2" providerId="LiveId" clId="{A43A4F39-93B3-4F2F-AFDC-40FA7C578CED}"/>
     <pc:docChg chg="undo custSel addSld delSld modSld">
@@ -317,6 +285,38 @@
       </pc:sldChg>
     </pc:docChg>
   </pc:docChgLst>
+  <pc:docChgLst>
+    <pc:chgData name="木本 裕紀" userId="605a8810adc954e2" providerId="LiveId" clId="{818768A1-C342-4A6B-A8F7-4FFC43318C75}"/>
+    <pc:docChg chg="addSld modSld">
+      <pc:chgData name="木本 裕紀" userId="605a8810adc954e2" providerId="LiveId" clId="{818768A1-C342-4A6B-A8F7-4FFC43318C75}" dt="2020-02-09T23:35:44.922" v="2" actId="207"/>
+      <pc:docMkLst>
+        <pc:docMk/>
+      </pc:docMkLst>
+      <pc:sldChg chg="modSp add">
+        <pc:chgData name="木本 裕紀" userId="605a8810adc954e2" providerId="LiveId" clId="{818768A1-C342-4A6B-A8F7-4FFC43318C75}" dt="2020-02-09T23:35:44.922" v="2" actId="207"/>
+        <pc:sldMkLst>
+          <pc:docMk/>
+          <pc:sldMk cId="2716053405" sldId="260"/>
+        </pc:sldMkLst>
+        <pc:spChg chg="mod">
+          <ac:chgData name="木本 裕紀" userId="605a8810adc954e2" providerId="LiveId" clId="{818768A1-C342-4A6B-A8F7-4FFC43318C75}" dt="2020-02-09T23:35:44.922" v="2" actId="207"/>
+          <ac:spMkLst>
+            <pc:docMk/>
+            <pc:sldMk cId="2716053405" sldId="260"/>
+            <ac:spMk id="3" creationId="{34757A58-95BA-4068-8F59-5702842D3DAB}"/>
+          </ac:spMkLst>
+        </pc:spChg>
+        <pc:spChg chg="mod">
+          <ac:chgData name="木本 裕紀" userId="605a8810adc954e2" providerId="LiveId" clId="{818768A1-C342-4A6B-A8F7-4FFC43318C75}" dt="2020-02-09T23:35:44.922" v="2" actId="207"/>
+          <ac:spMkLst>
+            <pc:docMk/>
+            <pc:sldMk cId="2716053405" sldId="260"/>
+            <ac:spMk id="4" creationId="{A89C3C68-90C6-4555-9675-F3D82A0C3105}"/>
+          </ac:spMkLst>
+        </pc:spChg>
+      </pc:sldChg>
+    </pc:docChg>
+  </pc:docChgLst>
 </pc:chgInfo>
 </file>
 
@@ -467,7 +467,7 @@
           <a:p>
             <a:fld id="{58E8B392-0D56-498C-85B4-7CBB197B644F}" type="datetimeFigureOut">
               <a:rPr kumimoji="1" lang="ja-JP" altLang="en-US" smtClean="0"/>
-              <a:t>2020/2/11</a:t>
+              <a:t>2020/5/21</a:t>
             </a:fld>
             <a:endParaRPr kumimoji="1" lang="ja-JP" altLang="en-US"/>
           </a:p>
@@ -697,7 +697,7 @@
           <a:p>
             <a:fld id="{58E8B392-0D56-498C-85B4-7CBB197B644F}" type="datetimeFigureOut">
               <a:rPr kumimoji="1" lang="ja-JP" altLang="en-US" smtClean="0"/>
-              <a:t>2020/2/11</a:t>
+              <a:t>2020/5/21</a:t>
             </a:fld>
             <a:endParaRPr kumimoji="1" lang="ja-JP" altLang="en-US"/>
           </a:p>
@@ -937,7 +937,7 @@
           <a:p>
             <a:fld id="{58E8B392-0D56-498C-85B4-7CBB197B644F}" type="datetimeFigureOut">
               <a:rPr kumimoji="1" lang="ja-JP" altLang="en-US" smtClean="0"/>
-              <a:t>2020/2/11</a:t>
+              <a:t>2020/5/21</a:t>
             </a:fld>
             <a:endParaRPr kumimoji="1" lang="ja-JP" altLang="en-US"/>
           </a:p>
@@ -1167,7 +1167,7 @@
           <a:p>
             <a:fld id="{58E8B392-0D56-498C-85B4-7CBB197B644F}" type="datetimeFigureOut">
               <a:rPr kumimoji="1" lang="ja-JP" altLang="en-US" smtClean="0"/>
-              <a:t>2020/2/11</a:t>
+              <a:t>2020/5/21</a:t>
             </a:fld>
             <a:endParaRPr kumimoji="1" lang="ja-JP" altLang="en-US"/>
           </a:p>
@@ -1442,7 +1442,7 @@
           <a:p>
             <a:fld id="{58E8B392-0D56-498C-85B4-7CBB197B644F}" type="datetimeFigureOut">
               <a:rPr kumimoji="1" lang="ja-JP" altLang="en-US" smtClean="0"/>
-              <a:t>2020/2/11</a:t>
+              <a:t>2020/5/21</a:t>
             </a:fld>
             <a:endParaRPr kumimoji="1" lang="ja-JP" altLang="en-US"/>
           </a:p>
@@ -1771,7 +1771,7 @@
           <a:p>
             <a:fld id="{58E8B392-0D56-498C-85B4-7CBB197B644F}" type="datetimeFigureOut">
               <a:rPr kumimoji="1" lang="ja-JP" altLang="en-US" smtClean="0"/>
-              <a:t>2020/2/11</a:t>
+              <a:t>2020/5/21</a:t>
             </a:fld>
             <a:endParaRPr kumimoji="1" lang="ja-JP" altLang="en-US"/>
           </a:p>
@@ -2247,7 +2247,7 @@
           <a:p>
             <a:fld id="{58E8B392-0D56-498C-85B4-7CBB197B644F}" type="datetimeFigureOut">
               <a:rPr kumimoji="1" lang="ja-JP" altLang="en-US" smtClean="0"/>
-              <a:t>2020/2/11</a:t>
+              <a:t>2020/5/21</a:t>
             </a:fld>
             <a:endParaRPr kumimoji="1" lang="ja-JP" altLang="en-US"/>
           </a:p>
@@ -2388,7 +2388,7 @@
           <a:p>
             <a:fld id="{58E8B392-0D56-498C-85B4-7CBB197B644F}" type="datetimeFigureOut">
               <a:rPr kumimoji="1" lang="ja-JP" altLang="en-US" smtClean="0"/>
-              <a:t>2020/2/11</a:t>
+              <a:t>2020/5/21</a:t>
             </a:fld>
             <a:endParaRPr kumimoji="1" lang="ja-JP" altLang="en-US"/>
           </a:p>
@@ -2501,7 +2501,7 @@
           <a:p>
             <a:fld id="{58E8B392-0D56-498C-85B4-7CBB197B644F}" type="datetimeFigureOut">
               <a:rPr kumimoji="1" lang="ja-JP" altLang="en-US" smtClean="0"/>
-              <a:t>2020/2/11</a:t>
+              <a:t>2020/5/21</a:t>
             </a:fld>
             <a:endParaRPr kumimoji="1" lang="ja-JP" altLang="en-US"/>
           </a:p>
@@ -2844,7 +2844,7 @@
           <a:p>
             <a:fld id="{58E8B392-0D56-498C-85B4-7CBB197B644F}" type="datetimeFigureOut">
               <a:rPr kumimoji="1" lang="ja-JP" altLang="en-US" smtClean="0"/>
-              <a:t>2020/2/11</a:t>
+              <a:t>2020/5/21</a:t>
             </a:fld>
             <a:endParaRPr kumimoji="1" lang="ja-JP" altLang="en-US"/>
           </a:p>
@@ -3132,7 +3132,7 @@
           <a:p>
             <a:fld id="{58E8B392-0D56-498C-85B4-7CBB197B644F}" type="datetimeFigureOut">
               <a:rPr kumimoji="1" lang="ja-JP" altLang="en-US" smtClean="0"/>
-              <a:t>2020/2/11</a:t>
+              <a:t>2020/5/21</a:t>
             </a:fld>
             <a:endParaRPr kumimoji="1" lang="ja-JP" altLang="en-US"/>
           </a:p>
@@ -3405,7 +3405,7 @@
           <a:p>
             <a:fld id="{58E8B392-0D56-498C-85B4-7CBB197B644F}" type="datetimeFigureOut">
               <a:rPr kumimoji="1" lang="ja-JP" altLang="en-US" smtClean="0"/>
-              <a:t>2020/2/11</a:t>
+              <a:t>2020/5/21</a:t>
             </a:fld>
             <a:endParaRPr kumimoji="1" lang="ja-JP" altLang="en-US"/>
           </a:p>
@@ -6043,71 +6043,6 @@
       </p:grpSpPr>
       <p:sp>
         <p:nvSpPr>
-          <p:cNvPr id="2" name="テキスト ボックス 1">
-            <a:extLst>
-              <a:ext uri="{FF2B5EF4-FFF2-40B4-BE49-F238E27FC236}">
-                <a16:creationId xmlns:a16="http://schemas.microsoft.com/office/drawing/2014/main" id="{60E99707-FAC1-4D7E-B3D3-FDD77FA78135}"/>
-              </a:ext>
-            </a:extLst>
-          </p:cNvPr>
-          <p:cNvSpPr txBox="1"/>
-          <p:nvPr/>
-        </p:nvSpPr>
-        <p:spPr>
-          <a:xfrm>
-            <a:off x="2364828" y="5976977"/>
-            <a:ext cx="8013537" cy="1200329"/>
-          </a:xfrm>
-          <a:prstGeom prst="rect">
-            <a:avLst/>
-          </a:prstGeom>
-          <a:noFill/>
-        </p:spPr>
-        <p:txBody>
-          <a:bodyPr wrap="square" rtlCol="0">
-            <a:spAutoFit/>
-          </a:bodyPr>
-          <a:lstStyle/>
-          <a:p>
-            <a:pPr marL="0" marR="0" lvl="0" indent="0" algn="l" defTabSz="914400" rtl="0" eaLnBrk="1" fontAlgn="auto" latinLnBrk="0" hangingPunct="1">
-              <a:lnSpc>
-                <a:spcPct val="100000"/>
-              </a:lnSpc>
-              <a:spcBef>
-                <a:spcPts val="0"/>
-              </a:spcBef>
-              <a:spcAft>
-                <a:spcPts val="0"/>
-              </a:spcAft>
-              <a:buClrTx/>
-              <a:buSzTx/>
-              <a:buFontTx/>
-              <a:buNone/>
-              <a:tabLst/>
-              <a:defRPr/>
-            </a:pPr>
-            <a:r>
-              <a:rPr kumimoji="1" lang="ja-JP" altLang="en-US" sz="7200" b="0" i="0" u="none" strike="noStrike" kern="1200" cap="none" spc="0" normalizeH="0" baseline="0" noProof="0" dirty="0">
-                <a:ln>
-                  <a:noFill/>
-                </a:ln>
-                <a:solidFill>
-                  <a:prstClr val="black"/>
-                </a:solidFill>
-                <a:effectLst/>
-                <a:uLnTx/>
-                <a:uFillTx/>
-                <a:latin typeface="游ゴシック" panose="020F0502020204030204"/>
-                <a:ea typeface="游ゴシック" panose="020B0400000000000000" pitchFamily="50" charset="-128"/>
-                <a:cs typeface="+mn-cs"/>
-              </a:rPr>
-              <a:t>メニューアイコン</a:t>
-            </a:r>
-          </a:p>
-        </p:txBody>
-      </p:sp>
-      <p:sp>
-        <p:nvSpPr>
           <p:cNvPr id="7" name="四角形: 角を丸くする 6">
             <a:extLst>
               <a:ext uri="{FF2B5EF4-FFF2-40B4-BE49-F238E27FC236}">
@@ -6115,13 +6050,15 @@
               </a:ext>
             </a:extLst>
           </p:cNvPr>
-          <p:cNvSpPr/>
+          <p:cNvSpPr>
+            <a:spLocks noChangeAspect="1"/>
+          </p:cNvSpPr>
           <p:nvPr/>
         </p:nvSpPr>
         <p:spPr>
           <a:xfrm>
             <a:off x="3396000" y="729000"/>
-            <a:ext cx="5400000" cy="5400000"/>
+            <a:ext cx="720000" cy="720000"/>
           </a:xfrm>
           <a:prstGeom prst="roundRect">
             <a:avLst/>
@@ -6169,13 +6106,15 @@
               </a:ext>
             </a:extLst>
           </p:cNvPr>
-          <p:cNvSpPr/>
+          <p:cNvSpPr>
+            <a:spLocks noChangeAspect="1"/>
+          </p:cNvSpPr>
           <p:nvPr/>
         </p:nvSpPr>
         <p:spPr>
           <a:xfrm>
-            <a:off x="4363356" y="1986353"/>
-            <a:ext cx="3465289" cy="558000"/>
+            <a:off x="3476541" y="875648"/>
+            <a:ext cx="558918" cy="90000"/>
           </a:xfrm>
           <a:prstGeom prst="roundRect">
             <a:avLst>
@@ -6216,20 +6155,22 @@
       </p:sp>
       <p:sp>
         <p:nvSpPr>
-          <p:cNvPr id="9" name="四角形: 角を丸くする 8">
-            <a:extLst>
-              <a:ext uri="{FF2B5EF4-FFF2-40B4-BE49-F238E27FC236}">
-                <a16:creationId xmlns:a16="http://schemas.microsoft.com/office/drawing/2014/main" id="{595EF7F4-27C8-4161-A5F7-3DC4D190611C}"/>
-              </a:ext>
-            </a:extLst>
-          </p:cNvPr>
-          <p:cNvSpPr/>
+          <p:cNvPr id="11" name="四角形: 角を丸くする 10">
+            <a:extLst>
+              <a:ext uri="{FF2B5EF4-FFF2-40B4-BE49-F238E27FC236}">
+                <a16:creationId xmlns:a16="http://schemas.microsoft.com/office/drawing/2014/main" id="{27BFAF8A-DA2E-4A9E-A60D-16D7EBF11F4B}"/>
+              </a:ext>
+            </a:extLst>
+          </p:cNvPr>
+          <p:cNvSpPr>
+            <a:spLocks noChangeAspect="1"/>
+          </p:cNvSpPr>
           <p:nvPr/>
         </p:nvSpPr>
         <p:spPr>
           <a:xfrm>
-            <a:off x="4363357" y="3150000"/>
-            <a:ext cx="3465288" cy="558000"/>
+            <a:off x="3476541" y="1044000"/>
+            <a:ext cx="558918" cy="90000"/>
           </a:xfrm>
           <a:prstGeom prst="roundRect">
             <a:avLst>
@@ -6270,20 +6211,22 @@
       </p:sp>
       <p:sp>
         <p:nvSpPr>
-          <p:cNvPr id="10" name="四角形: 角を丸くする 9">
-            <a:extLst>
-              <a:ext uri="{FF2B5EF4-FFF2-40B4-BE49-F238E27FC236}">
-                <a16:creationId xmlns:a16="http://schemas.microsoft.com/office/drawing/2014/main" id="{FC6B1AFE-3446-4776-8978-FAC935AF9DCC}"/>
-              </a:ext>
-            </a:extLst>
-          </p:cNvPr>
-          <p:cNvSpPr/>
+          <p:cNvPr id="12" name="四角形: 角を丸くする 11">
+            <a:extLst>
+              <a:ext uri="{FF2B5EF4-FFF2-40B4-BE49-F238E27FC236}">
+                <a16:creationId xmlns:a16="http://schemas.microsoft.com/office/drawing/2014/main" id="{29D421D4-4773-4C1A-87B3-BF9CB8558F06}"/>
+              </a:ext>
+            </a:extLst>
+          </p:cNvPr>
+          <p:cNvSpPr>
+            <a:spLocks noChangeAspect="1"/>
+          </p:cNvSpPr>
           <p:nvPr/>
         </p:nvSpPr>
         <p:spPr>
           <a:xfrm>
-            <a:off x="4363356" y="4311496"/>
-            <a:ext cx="3465289" cy="558000"/>
+            <a:off x="3476541" y="1212352"/>
+            <a:ext cx="558918" cy="90000"/>
           </a:xfrm>
           <a:prstGeom prst="roundRect">
             <a:avLst>

--- a/kimoto_system_icon.pptx
+++ b/kimoto_system_icon.pptx
@@ -120,13 +120,45 @@
 <file path=ppt/revisionInfo.xml><?xml version="1.0" encoding="utf-8"?>
 <p1510:revInfo xmlns:a="http://schemas.openxmlformats.org/drawingml/2006/main" xmlns:r="http://schemas.openxmlformats.org/officeDocument/2006/relationships" xmlns:p1510="http://schemas.microsoft.com/office/powerpoint/2015/10/main">
   <p1510:revLst>
-    <p1510:client id="{A43A4F39-93B3-4F2F-AFDC-40FA7C578CED}" v="23" dt="2020-02-11T02:58:28.506"/>
+    <p1510:client id="{C8497C05-803D-49B8-A6F2-7AEA5E691A54}" v="6" dt="2020-06-14T22:23:33.552"/>
   </p1510:revLst>
 </p1510:revInfo>
 </file>
 
 <file path=ppt/changesInfos/changesInfo1.xml><?xml version="1.0" encoding="utf-8"?>
 <pc:chgInfo xmlns:a="http://schemas.openxmlformats.org/drawingml/2006/main" xmlns:r="http://schemas.openxmlformats.org/officeDocument/2006/relationships" xmlns:ac="http://schemas.microsoft.com/office/drawing/2013/main/command" xmlns:pc="http://schemas.microsoft.com/office/powerpoint/2013/main/command">
+  <pc:docChgLst>
+    <pc:chgData name="木本 裕紀" userId="605a8810adc954e2" providerId="LiveId" clId="{818768A1-C342-4A6B-A8F7-4FFC43318C75}"/>
+    <pc:docChg chg="addSld modSld">
+      <pc:chgData name="木本 裕紀" userId="605a8810adc954e2" providerId="LiveId" clId="{818768A1-C342-4A6B-A8F7-4FFC43318C75}" dt="2020-02-09T23:35:44.922" v="2" actId="207"/>
+      <pc:docMkLst>
+        <pc:docMk/>
+      </pc:docMkLst>
+      <pc:sldChg chg="modSp add">
+        <pc:chgData name="木本 裕紀" userId="605a8810adc954e2" providerId="LiveId" clId="{818768A1-C342-4A6B-A8F7-4FFC43318C75}" dt="2020-02-09T23:35:44.922" v="2" actId="207"/>
+        <pc:sldMkLst>
+          <pc:docMk/>
+          <pc:sldMk cId="2716053405" sldId="260"/>
+        </pc:sldMkLst>
+        <pc:spChg chg="mod">
+          <ac:chgData name="木本 裕紀" userId="605a8810adc954e2" providerId="LiveId" clId="{818768A1-C342-4A6B-A8F7-4FFC43318C75}" dt="2020-02-09T23:35:44.922" v="2" actId="207"/>
+          <ac:spMkLst>
+            <pc:docMk/>
+            <pc:sldMk cId="2716053405" sldId="260"/>
+            <ac:spMk id="3" creationId="{34757A58-95BA-4068-8F59-5702842D3DAB}"/>
+          </ac:spMkLst>
+        </pc:spChg>
+        <pc:spChg chg="mod">
+          <ac:chgData name="木本 裕紀" userId="605a8810adc954e2" providerId="LiveId" clId="{818768A1-C342-4A6B-A8F7-4FFC43318C75}" dt="2020-02-09T23:35:44.922" v="2" actId="207"/>
+          <ac:spMkLst>
+            <pc:docMk/>
+            <pc:sldMk cId="2716053405" sldId="260"/>
+            <ac:spMk id="4" creationId="{A89C3C68-90C6-4555-9675-F3D82A0C3105}"/>
+          </ac:spMkLst>
+        </pc:spChg>
+      </pc:sldChg>
+    </pc:docChg>
+  </pc:docChgLst>
   <pc:docChgLst>
     <pc:chgData name="木本 裕紀" userId="605a8810adc954e2" providerId="LiveId" clId="{A43A4F39-93B3-4F2F-AFDC-40FA7C578CED}"/>
     <pc:docChg chg="undo custSel addSld delSld modSld">
@@ -286,32 +318,48 @@
     </pc:docChg>
   </pc:docChgLst>
   <pc:docChgLst>
-    <pc:chgData name="木本 裕紀" userId="605a8810adc954e2" providerId="LiveId" clId="{818768A1-C342-4A6B-A8F7-4FFC43318C75}"/>
-    <pc:docChg chg="addSld modSld">
-      <pc:chgData name="木本 裕紀" userId="605a8810adc954e2" providerId="LiveId" clId="{818768A1-C342-4A6B-A8F7-4FFC43318C75}" dt="2020-02-09T23:35:44.922" v="2" actId="207"/>
+    <pc:chgData name="木本 裕紀" userId="605a8810adc954e2" providerId="LiveId" clId="{C8497C05-803D-49B8-A6F2-7AEA5E691A54}"/>
+    <pc:docChg chg="undo custSel modSld">
+      <pc:chgData name="木本 裕紀" userId="605a8810adc954e2" providerId="LiveId" clId="{C8497C05-803D-49B8-A6F2-7AEA5E691A54}" dt="2020-06-14T22:24:40.730" v="51" actId="14100"/>
       <pc:docMkLst>
         <pc:docMk/>
       </pc:docMkLst>
-      <pc:sldChg chg="modSp add">
-        <pc:chgData name="木本 裕紀" userId="605a8810adc954e2" providerId="LiveId" clId="{818768A1-C342-4A6B-A8F7-4FFC43318C75}" dt="2020-02-09T23:35:44.922" v="2" actId="207"/>
+      <pc:sldChg chg="modSp mod">
+        <pc:chgData name="木本 裕紀" userId="605a8810adc954e2" providerId="LiveId" clId="{C8497C05-803D-49B8-A6F2-7AEA5E691A54}" dt="2020-06-14T22:24:40.730" v="51" actId="14100"/>
         <pc:sldMkLst>
           <pc:docMk/>
-          <pc:sldMk cId="2716053405" sldId="260"/>
+          <pc:sldMk cId="1237535117" sldId="261"/>
         </pc:sldMkLst>
         <pc:spChg chg="mod">
-          <ac:chgData name="木本 裕紀" userId="605a8810adc954e2" providerId="LiveId" clId="{818768A1-C342-4A6B-A8F7-4FFC43318C75}" dt="2020-02-09T23:35:44.922" v="2" actId="207"/>
+          <ac:chgData name="木本 裕紀" userId="605a8810adc954e2" providerId="LiveId" clId="{C8497C05-803D-49B8-A6F2-7AEA5E691A54}" dt="2020-06-14T22:24:40.730" v="51" actId="14100"/>
           <ac:spMkLst>
             <pc:docMk/>
-            <pc:sldMk cId="2716053405" sldId="260"/>
-            <ac:spMk id="3" creationId="{34757A58-95BA-4068-8F59-5702842D3DAB}"/>
+            <pc:sldMk cId="1237535117" sldId="261"/>
+            <ac:spMk id="7" creationId="{3D71BC1B-A253-46E5-9969-5BE7188AAC4C}"/>
           </ac:spMkLst>
         </pc:spChg>
         <pc:spChg chg="mod">
-          <ac:chgData name="木本 裕紀" userId="605a8810adc954e2" providerId="LiveId" clId="{818768A1-C342-4A6B-A8F7-4FFC43318C75}" dt="2020-02-09T23:35:44.922" v="2" actId="207"/>
+          <ac:chgData name="木本 裕紀" userId="605a8810adc954e2" providerId="LiveId" clId="{C8497C05-803D-49B8-A6F2-7AEA5E691A54}" dt="2020-06-14T22:23:56.070" v="46" actId="14100"/>
           <ac:spMkLst>
             <pc:docMk/>
-            <pc:sldMk cId="2716053405" sldId="260"/>
-            <ac:spMk id="4" creationId="{A89C3C68-90C6-4555-9675-F3D82A0C3105}"/>
+            <pc:sldMk cId="1237535117" sldId="261"/>
+            <ac:spMk id="8" creationId="{F8385510-D755-4FF9-A9A9-5B759EA570F6}"/>
+          </ac:spMkLst>
+        </pc:spChg>
+        <pc:spChg chg="mod">
+          <ac:chgData name="木本 裕紀" userId="605a8810adc954e2" providerId="LiveId" clId="{C8497C05-803D-49B8-A6F2-7AEA5E691A54}" dt="2020-06-14T22:23:56.070" v="46" actId="14100"/>
+          <ac:spMkLst>
+            <pc:docMk/>
+            <pc:sldMk cId="1237535117" sldId="261"/>
+            <ac:spMk id="11" creationId="{27BFAF8A-DA2E-4A9E-A60D-16D7EBF11F4B}"/>
+          </ac:spMkLst>
+        </pc:spChg>
+        <pc:spChg chg="mod">
+          <ac:chgData name="木本 裕紀" userId="605a8810adc954e2" providerId="LiveId" clId="{C8497C05-803D-49B8-A6F2-7AEA5E691A54}" dt="2020-06-14T22:23:56.070" v="46" actId="14100"/>
+          <ac:spMkLst>
+            <pc:docMk/>
+            <pc:sldMk cId="1237535117" sldId="261"/>
+            <ac:spMk id="12" creationId="{29D421D4-4773-4C1A-87B3-BF9CB8558F06}"/>
           </ac:spMkLst>
         </pc:spChg>
       </pc:sldChg>
@@ -467,7 +515,7 @@
           <a:p>
             <a:fld id="{58E8B392-0D56-498C-85B4-7CBB197B644F}" type="datetimeFigureOut">
               <a:rPr kumimoji="1" lang="ja-JP" altLang="en-US" smtClean="0"/>
-              <a:t>2020/5/21</a:t>
+              <a:t>2020/6/15</a:t>
             </a:fld>
             <a:endParaRPr kumimoji="1" lang="ja-JP" altLang="en-US"/>
           </a:p>
@@ -697,7 +745,7 @@
           <a:p>
             <a:fld id="{58E8B392-0D56-498C-85B4-7CBB197B644F}" type="datetimeFigureOut">
               <a:rPr kumimoji="1" lang="ja-JP" altLang="en-US" smtClean="0"/>
-              <a:t>2020/5/21</a:t>
+              <a:t>2020/6/15</a:t>
             </a:fld>
             <a:endParaRPr kumimoji="1" lang="ja-JP" altLang="en-US"/>
           </a:p>
@@ -937,7 +985,7 @@
           <a:p>
             <a:fld id="{58E8B392-0D56-498C-85B4-7CBB197B644F}" type="datetimeFigureOut">
               <a:rPr kumimoji="1" lang="ja-JP" altLang="en-US" smtClean="0"/>
-              <a:t>2020/5/21</a:t>
+              <a:t>2020/6/15</a:t>
             </a:fld>
             <a:endParaRPr kumimoji="1" lang="ja-JP" altLang="en-US"/>
           </a:p>
@@ -1167,7 +1215,7 @@
           <a:p>
             <a:fld id="{58E8B392-0D56-498C-85B4-7CBB197B644F}" type="datetimeFigureOut">
               <a:rPr kumimoji="1" lang="ja-JP" altLang="en-US" smtClean="0"/>
-              <a:t>2020/5/21</a:t>
+              <a:t>2020/6/15</a:t>
             </a:fld>
             <a:endParaRPr kumimoji="1" lang="ja-JP" altLang="en-US"/>
           </a:p>
@@ -1442,7 +1490,7 @@
           <a:p>
             <a:fld id="{58E8B392-0D56-498C-85B4-7CBB197B644F}" type="datetimeFigureOut">
               <a:rPr kumimoji="1" lang="ja-JP" altLang="en-US" smtClean="0"/>
-              <a:t>2020/5/21</a:t>
+              <a:t>2020/6/15</a:t>
             </a:fld>
             <a:endParaRPr kumimoji="1" lang="ja-JP" altLang="en-US"/>
           </a:p>
@@ -1771,7 +1819,7 @@
           <a:p>
             <a:fld id="{58E8B392-0D56-498C-85B4-7CBB197B644F}" type="datetimeFigureOut">
               <a:rPr kumimoji="1" lang="ja-JP" altLang="en-US" smtClean="0"/>
-              <a:t>2020/5/21</a:t>
+              <a:t>2020/6/15</a:t>
             </a:fld>
             <a:endParaRPr kumimoji="1" lang="ja-JP" altLang="en-US"/>
           </a:p>
@@ -2247,7 +2295,7 @@
           <a:p>
             <a:fld id="{58E8B392-0D56-498C-85B4-7CBB197B644F}" type="datetimeFigureOut">
               <a:rPr kumimoji="1" lang="ja-JP" altLang="en-US" smtClean="0"/>
-              <a:t>2020/5/21</a:t>
+              <a:t>2020/6/15</a:t>
             </a:fld>
             <a:endParaRPr kumimoji="1" lang="ja-JP" altLang="en-US"/>
           </a:p>
@@ -2388,7 +2436,7 @@
           <a:p>
             <a:fld id="{58E8B392-0D56-498C-85B4-7CBB197B644F}" type="datetimeFigureOut">
               <a:rPr kumimoji="1" lang="ja-JP" altLang="en-US" smtClean="0"/>
-              <a:t>2020/5/21</a:t>
+              <a:t>2020/6/15</a:t>
             </a:fld>
             <a:endParaRPr kumimoji="1" lang="ja-JP" altLang="en-US"/>
           </a:p>
@@ -2501,7 +2549,7 @@
           <a:p>
             <a:fld id="{58E8B392-0D56-498C-85B4-7CBB197B644F}" type="datetimeFigureOut">
               <a:rPr kumimoji="1" lang="ja-JP" altLang="en-US" smtClean="0"/>
-              <a:t>2020/5/21</a:t>
+              <a:t>2020/6/15</a:t>
             </a:fld>
             <a:endParaRPr kumimoji="1" lang="ja-JP" altLang="en-US"/>
           </a:p>
@@ -2844,7 +2892,7 @@
           <a:p>
             <a:fld id="{58E8B392-0D56-498C-85B4-7CBB197B644F}" type="datetimeFigureOut">
               <a:rPr kumimoji="1" lang="ja-JP" altLang="en-US" smtClean="0"/>
-              <a:t>2020/5/21</a:t>
+              <a:t>2020/6/15</a:t>
             </a:fld>
             <a:endParaRPr kumimoji="1" lang="ja-JP" altLang="en-US"/>
           </a:p>
@@ -3132,7 +3180,7 @@
           <a:p>
             <a:fld id="{58E8B392-0D56-498C-85B4-7CBB197B644F}" type="datetimeFigureOut">
               <a:rPr kumimoji="1" lang="ja-JP" altLang="en-US" smtClean="0"/>
-              <a:t>2020/5/21</a:t>
+              <a:t>2020/6/15</a:t>
             </a:fld>
             <a:endParaRPr kumimoji="1" lang="ja-JP" altLang="en-US"/>
           </a:p>
@@ -3405,7 +3453,7 @@
           <a:p>
             <a:fld id="{58E8B392-0D56-498C-85B4-7CBB197B644F}" type="datetimeFigureOut">
               <a:rPr kumimoji="1" lang="ja-JP" altLang="en-US" smtClean="0"/>
-              <a:t>2020/5/21</a:t>
+              <a:t>2020/6/15</a:t>
             </a:fld>
             <a:endParaRPr kumimoji="1" lang="ja-JP" altLang="en-US"/>
           </a:p>
@@ -6057,17 +6105,13 @@
         </p:nvSpPr>
         <p:spPr>
           <a:xfrm>
-            <a:off x="3396000" y="729000"/>
-            <a:ext cx="720000" cy="720000"/>
+            <a:off x="74156" y="67012"/>
+            <a:ext cx="626400" cy="626400"/>
           </a:xfrm>
           <a:prstGeom prst="roundRect">
             <a:avLst/>
           </a:prstGeom>
-          <a:solidFill>
-            <a:schemeClr val="accent5">
-              <a:lumMod val="75000"/>
-            </a:schemeClr>
-          </a:solidFill>
+          <a:noFill/>
           <a:ln>
             <a:noFill/>
           </a:ln>
@@ -6113,8 +6157,8 @@
         </p:nvSpPr>
         <p:spPr>
           <a:xfrm>
-            <a:off x="3476541" y="875648"/>
-            <a:ext cx="558918" cy="90000"/>
+            <a:off x="212972" y="245066"/>
+            <a:ext cx="356400" cy="54511"/>
           </a:xfrm>
           <a:prstGeom prst="roundRect">
             <a:avLst>
@@ -6122,7 +6166,10 @@
             </a:avLst>
           </a:prstGeom>
           <a:solidFill>
-            <a:schemeClr val="bg1"/>
+            <a:schemeClr val="tx1">
+              <a:lumMod val="75000"/>
+              <a:lumOff val="25000"/>
+            </a:schemeClr>
           </a:solidFill>
           <a:ln>
             <a:noFill/>
@@ -6169,8 +6216,8 @@
         </p:nvSpPr>
         <p:spPr>
           <a:xfrm>
-            <a:off x="3476541" y="1044000"/>
-            <a:ext cx="558918" cy="90000"/>
+            <a:off x="212972" y="355818"/>
+            <a:ext cx="356400" cy="54511"/>
           </a:xfrm>
           <a:prstGeom prst="roundRect">
             <a:avLst>
@@ -6178,7 +6225,10 @@
             </a:avLst>
           </a:prstGeom>
           <a:solidFill>
-            <a:schemeClr val="bg1"/>
+            <a:schemeClr val="tx1">
+              <a:lumMod val="75000"/>
+              <a:lumOff val="25000"/>
+            </a:schemeClr>
           </a:solidFill>
           <a:ln>
             <a:noFill/>
@@ -6225,8 +6275,8 @@
         </p:nvSpPr>
         <p:spPr>
           <a:xfrm>
-            <a:off x="3476541" y="1212352"/>
-            <a:ext cx="558918" cy="90000"/>
+            <a:off x="212972" y="466570"/>
+            <a:ext cx="356400" cy="54511"/>
           </a:xfrm>
           <a:prstGeom prst="roundRect">
             <a:avLst>
@@ -6234,7 +6284,10 @@
             </a:avLst>
           </a:prstGeom>
           <a:solidFill>
-            <a:schemeClr val="bg1"/>
+            <a:schemeClr val="tx1">
+              <a:lumMod val="75000"/>
+              <a:lumOff val="25000"/>
+            </a:schemeClr>
           </a:solidFill>
           <a:ln>
             <a:noFill/>
